--- a/User Story Cards.pptx
+++ b/User Story Cards.pptx
@@ -5,7 +5,7 @@
     <p:sldMasterId id="2147483659" r:id="rId1"/>
   </p:sldMasterIdLst>
   <p:notesMasterIdLst>
-    <p:notesMasterId r:id="rId35"/>
+    <p:notesMasterId r:id="rId38"/>
   </p:notesMasterIdLst>
   <p:sldIdLst>
     <p:sldId id="256" r:id="rId2"/>
@@ -35,12 +35,15 @@
     <p:sldId id="278" r:id="rId26"/>
     <p:sldId id="279" r:id="rId27"/>
     <p:sldId id="280" r:id="rId28"/>
-    <p:sldId id="281" r:id="rId29"/>
-    <p:sldId id="282" r:id="rId30"/>
-    <p:sldId id="283" r:id="rId31"/>
-    <p:sldId id="284" r:id="rId32"/>
-    <p:sldId id="285" r:id="rId33"/>
-    <p:sldId id="286" r:id="rId34"/>
+    <p:sldId id="289" r:id="rId29"/>
+    <p:sldId id="281" r:id="rId30"/>
+    <p:sldId id="282" r:id="rId31"/>
+    <p:sldId id="283" r:id="rId32"/>
+    <p:sldId id="284" r:id="rId33"/>
+    <p:sldId id="285" r:id="rId34"/>
+    <p:sldId id="286" r:id="rId35"/>
+    <p:sldId id="290" r:id="rId36"/>
+    <p:sldId id="291" r:id="rId37"/>
   </p:sldIdLst>
   <p:sldSz cx="9906000" cy="6858000" type="A4"/>
   <p:notesSz cx="6858000" cy="9144000"/>
@@ -2821,6 +2824,115 @@
   <p:cSld>
     <p:spTree>
       <p:nvGrpSpPr>
+        <p:cNvPr id="1" name="Shape 341"/>
+        <p:cNvGrpSpPr/>
+        <p:nvPr/>
+      </p:nvGrpSpPr>
+      <p:grpSpPr>
+        <a:xfrm>
+          <a:off x="0" y="0"/>
+          <a:ext cx="0" cy="0"/>
+          <a:chOff x="0" y="0"/>
+          <a:chExt cx="0" cy="0"/>
+        </a:xfrm>
+      </p:grpSpPr>
+      <p:sp>
+        <p:nvSpPr>
+          <p:cNvPr id="342" name="Google Shape;342;p27:notes"/>
+          <p:cNvSpPr txBox="1">
+            <a:spLocks noGrp="1"/>
+          </p:cNvSpPr>
+          <p:nvPr>
+            <p:ph type="body" idx="1"/>
+          </p:nvPr>
+        </p:nvSpPr>
+        <p:spPr>
+          <a:xfrm>
+            <a:off x="685800" y="4343400"/>
+            <a:ext cx="5486400" cy="4114800"/>
+          </a:xfrm>
+          <a:prstGeom prst="rect">
+            <a:avLst/>
+          </a:prstGeom>
+        </p:spPr>
+        <p:txBody>
+          <a:bodyPr spcFirstLastPara="1" wrap="square" lIns="91425" tIns="91425" rIns="91425" bIns="91425" anchor="t" anchorCtr="0">
+            <a:noAutofit/>
+          </a:bodyPr>
+          <a:lstStyle/>
+          <a:p>
+            <a:pPr marL="0" lvl="0" indent="0">
+              <a:spcBef>
+                <a:spcPts val="0"/>
+              </a:spcBef>
+              <a:spcAft>
+                <a:spcPts val="0"/>
+              </a:spcAft>
+              <a:buNone/>
+            </a:pPr>
+            <a:endParaRPr/>
+          </a:p>
+        </p:txBody>
+      </p:sp>
+      <p:sp>
+        <p:nvSpPr>
+          <p:cNvPr id="343" name="Google Shape;343;p27:notes"/>
+          <p:cNvSpPr>
+            <a:spLocks noGrp="1" noRot="1" noChangeAspect="1"/>
+          </p:cNvSpPr>
+          <p:nvPr>
+            <p:ph type="sldImg" idx="2"/>
+          </p:nvPr>
+        </p:nvSpPr>
+        <p:spPr>
+          <a:xfrm>
+            <a:off x="952500" y="685800"/>
+            <a:ext cx="4953000" cy="3429000"/>
+          </a:xfrm>
+          <a:custGeom>
+            <a:avLst/>
+            <a:gdLst/>
+            <a:ahLst/>
+            <a:cxnLst/>
+            <a:rect l="l" t="t" r="r" b="b"/>
+            <a:pathLst>
+              <a:path w="120000" h="120000" extrusionOk="0">
+                <a:moveTo>
+                  <a:pt x="0" y="0"/>
+                </a:moveTo>
+                <a:lnTo>
+                  <a:pt x="120000" y="0"/>
+                </a:lnTo>
+                <a:lnTo>
+                  <a:pt x="120000" y="120000"/>
+                </a:lnTo>
+                <a:lnTo>
+                  <a:pt x="0" y="120000"/>
+                </a:lnTo>
+                <a:close/>
+              </a:path>
+            </a:pathLst>
+          </a:custGeom>
+        </p:spPr>
+      </p:sp>
+    </p:spTree>
+    <p:extLst>
+      <p:ext uri="{BB962C8B-B14F-4D97-AF65-F5344CB8AC3E}">
+        <p14:creationId xmlns:p14="http://schemas.microsoft.com/office/powerpoint/2010/main" val="506436211"/>
+      </p:ext>
+    </p:extLst>
+  </p:cSld>
+  <p:clrMapOvr>
+    <a:masterClrMapping/>
+  </p:clrMapOvr>
+</p:notes>
+</file>
+
+<file path=ppt/notesSlides/notesSlide29.xml><?xml version="1.0" encoding="utf-8"?>
+<p:notes xmlns:a="http://schemas.openxmlformats.org/drawingml/2006/main" xmlns:r="http://schemas.openxmlformats.org/officeDocument/2006/relationships" xmlns:p="http://schemas.openxmlformats.org/presentationml/2006/main" showMasterSp="0" showMasterPhAnim="0">
+  <p:cSld>
+    <p:spTree>
+      <p:nvGrpSpPr>
         <p:cNvPr id="1" name="Shape 352"/>
         <p:cNvGrpSpPr/>
         <p:nvPr/>
@@ -2883,112 +2995,8 @@
         </p:nvSpPr>
         <p:spPr>
           <a:xfrm>
-            <a:off x="1143225" y="685800"/>
-            <a:ext cx="4572225" cy="3429000"/>
-          </a:xfrm>
-          <a:custGeom>
-            <a:avLst/>
-            <a:gdLst/>
-            <a:ahLst/>
-            <a:cxnLst/>
-            <a:rect l="l" t="t" r="r" b="b"/>
-            <a:pathLst>
-              <a:path w="120000" h="120000" extrusionOk="0">
-                <a:moveTo>
-                  <a:pt x="0" y="0"/>
-                </a:moveTo>
-                <a:lnTo>
-                  <a:pt x="120000" y="0"/>
-                </a:lnTo>
-                <a:lnTo>
-                  <a:pt x="120000" y="120000"/>
-                </a:lnTo>
-                <a:lnTo>
-                  <a:pt x="0" y="120000"/>
-                </a:lnTo>
-                <a:close/>
-              </a:path>
-            </a:pathLst>
-          </a:custGeom>
-        </p:spPr>
-      </p:sp>
-    </p:spTree>
-  </p:cSld>
-  <p:clrMapOvr>
-    <a:masterClrMapping/>
-  </p:clrMapOvr>
-</p:notes>
-</file>
-
-<file path=ppt/notesSlides/notesSlide29.xml><?xml version="1.0" encoding="utf-8"?>
-<p:notes xmlns:a="http://schemas.openxmlformats.org/drawingml/2006/main" xmlns:r="http://schemas.openxmlformats.org/officeDocument/2006/relationships" xmlns:p="http://schemas.openxmlformats.org/presentationml/2006/main" showMasterSp="0" showMasterPhAnim="0">
-  <p:cSld>
-    <p:spTree>
-      <p:nvGrpSpPr>
-        <p:cNvPr id="1" name="Shape 363"/>
-        <p:cNvGrpSpPr/>
-        <p:nvPr/>
-      </p:nvGrpSpPr>
-      <p:grpSpPr>
-        <a:xfrm>
-          <a:off x="0" y="0"/>
-          <a:ext cx="0" cy="0"/>
-          <a:chOff x="0" y="0"/>
-          <a:chExt cx="0" cy="0"/>
-        </a:xfrm>
-      </p:grpSpPr>
-      <p:sp>
-        <p:nvSpPr>
-          <p:cNvPr id="364" name="Google Shape;364;p30:notes"/>
-          <p:cNvSpPr txBox="1">
-            <a:spLocks noGrp="1"/>
-          </p:cNvSpPr>
-          <p:nvPr>
-            <p:ph type="body" idx="1"/>
-          </p:nvPr>
-        </p:nvSpPr>
-        <p:spPr>
-          <a:xfrm>
-            <a:off x="685800" y="4343400"/>
-            <a:ext cx="5486400" cy="4114800"/>
-          </a:xfrm>
-          <a:prstGeom prst="rect">
-            <a:avLst/>
-          </a:prstGeom>
-        </p:spPr>
-        <p:txBody>
-          <a:bodyPr spcFirstLastPara="1" wrap="square" lIns="91425" tIns="91425" rIns="91425" bIns="91425" anchor="t" anchorCtr="0">
-            <a:noAutofit/>
-          </a:bodyPr>
-          <a:lstStyle/>
-          <a:p>
-            <a:pPr marL="0" lvl="0" indent="0">
-              <a:spcBef>
-                <a:spcPts val="0"/>
-              </a:spcBef>
-              <a:spcAft>
-                <a:spcPts val="0"/>
-              </a:spcAft>
-              <a:buNone/>
-            </a:pPr>
-            <a:endParaRPr/>
-          </a:p>
-        </p:txBody>
-      </p:sp>
-      <p:sp>
-        <p:nvSpPr>
-          <p:cNvPr id="365" name="Google Shape;365;p30:notes"/>
-          <p:cNvSpPr>
-            <a:spLocks noGrp="1" noRot="1" noChangeAspect="1"/>
-          </p:cNvSpPr>
-          <p:nvPr>
-            <p:ph type="sldImg" idx="2"/>
-          </p:nvPr>
-        </p:nvSpPr>
-        <p:spPr>
-          <a:xfrm>
-            <a:off x="1143225" y="685800"/>
-            <a:ext cx="4572225" cy="3429000"/>
+            <a:off x="952500" y="685800"/>
+            <a:ext cx="4953000" cy="3429000"/>
           </a:xfrm>
           <a:custGeom>
             <a:avLst/>
@@ -3138,6 +3146,110 @@
   <p:cSld>
     <p:spTree>
       <p:nvGrpSpPr>
+        <p:cNvPr id="1" name="Shape 363"/>
+        <p:cNvGrpSpPr/>
+        <p:nvPr/>
+      </p:nvGrpSpPr>
+      <p:grpSpPr>
+        <a:xfrm>
+          <a:off x="0" y="0"/>
+          <a:ext cx="0" cy="0"/>
+          <a:chOff x="0" y="0"/>
+          <a:chExt cx="0" cy="0"/>
+        </a:xfrm>
+      </p:grpSpPr>
+      <p:sp>
+        <p:nvSpPr>
+          <p:cNvPr id="364" name="Google Shape;364;p30:notes"/>
+          <p:cNvSpPr txBox="1">
+            <a:spLocks noGrp="1"/>
+          </p:cNvSpPr>
+          <p:nvPr>
+            <p:ph type="body" idx="1"/>
+          </p:nvPr>
+        </p:nvSpPr>
+        <p:spPr>
+          <a:xfrm>
+            <a:off x="685800" y="4343400"/>
+            <a:ext cx="5486400" cy="4114800"/>
+          </a:xfrm>
+          <a:prstGeom prst="rect">
+            <a:avLst/>
+          </a:prstGeom>
+        </p:spPr>
+        <p:txBody>
+          <a:bodyPr spcFirstLastPara="1" wrap="square" lIns="91425" tIns="91425" rIns="91425" bIns="91425" anchor="t" anchorCtr="0">
+            <a:noAutofit/>
+          </a:bodyPr>
+          <a:lstStyle/>
+          <a:p>
+            <a:pPr marL="0" lvl="0" indent="0">
+              <a:spcBef>
+                <a:spcPts val="0"/>
+              </a:spcBef>
+              <a:spcAft>
+                <a:spcPts val="0"/>
+              </a:spcAft>
+              <a:buNone/>
+            </a:pPr>
+            <a:endParaRPr/>
+          </a:p>
+        </p:txBody>
+      </p:sp>
+      <p:sp>
+        <p:nvSpPr>
+          <p:cNvPr id="365" name="Google Shape;365;p30:notes"/>
+          <p:cNvSpPr>
+            <a:spLocks noGrp="1" noRot="1" noChangeAspect="1"/>
+          </p:cNvSpPr>
+          <p:nvPr>
+            <p:ph type="sldImg" idx="2"/>
+          </p:nvPr>
+        </p:nvSpPr>
+        <p:spPr>
+          <a:xfrm>
+            <a:off x="1143225" y="685800"/>
+            <a:ext cx="4572225" cy="3429000"/>
+          </a:xfrm>
+          <a:custGeom>
+            <a:avLst/>
+            <a:gdLst/>
+            <a:ahLst/>
+            <a:cxnLst/>
+            <a:rect l="l" t="t" r="r" b="b"/>
+            <a:pathLst>
+              <a:path w="120000" h="120000" extrusionOk="0">
+                <a:moveTo>
+                  <a:pt x="0" y="0"/>
+                </a:moveTo>
+                <a:lnTo>
+                  <a:pt x="120000" y="0"/>
+                </a:lnTo>
+                <a:lnTo>
+                  <a:pt x="120000" y="120000"/>
+                </a:lnTo>
+                <a:lnTo>
+                  <a:pt x="0" y="120000"/>
+                </a:lnTo>
+                <a:close/>
+              </a:path>
+            </a:pathLst>
+          </a:custGeom>
+        </p:spPr>
+      </p:sp>
+    </p:spTree>
+  </p:cSld>
+  <p:clrMapOvr>
+    <a:masterClrMapping/>
+  </p:clrMapOvr>
+</p:notes>
+</file>
+
+<file path=ppt/notesSlides/notesSlide31.xml><?xml version="1.0" encoding="utf-8"?>
+<p:notes xmlns:a="http://schemas.openxmlformats.org/drawingml/2006/main" xmlns:r="http://schemas.openxmlformats.org/officeDocument/2006/relationships" xmlns:p="http://schemas.openxmlformats.org/presentationml/2006/main" showMasterSp="0" showMasterPhAnim="0">
+  <p:cSld>
+    <p:spTree>
+      <p:nvGrpSpPr>
         <p:cNvPr id="1" name="Shape 374"/>
         <p:cNvGrpSpPr/>
         <p:nvPr/>
@@ -3237,7 +3349,7 @@
 </p:notes>
 </file>
 
-<file path=ppt/notesSlides/notesSlide31.xml><?xml version="1.0" encoding="utf-8"?>
+<file path=ppt/notesSlides/notesSlide32.xml><?xml version="1.0" encoding="utf-8"?>
 <p:notes xmlns:a="http://schemas.openxmlformats.org/drawingml/2006/main" xmlns:r="http://schemas.openxmlformats.org/officeDocument/2006/relationships" xmlns:p="http://schemas.openxmlformats.org/presentationml/2006/main" showMasterSp="0" showMasterPhAnim="0">
   <p:cSld>
     <p:spTree>
@@ -3341,7 +3453,7 @@
 </p:notes>
 </file>
 
-<file path=ppt/notesSlides/notesSlide32.xml><?xml version="1.0" encoding="utf-8"?>
+<file path=ppt/notesSlides/notesSlide33.xml><?xml version="1.0" encoding="utf-8"?>
 <p:notes xmlns:a="http://schemas.openxmlformats.org/drawingml/2006/main" xmlns:r="http://schemas.openxmlformats.org/officeDocument/2006/relationships" xmlns:p="http://schemas.openxmlformats.org/presentationml/2006/main" showMasterSp="0" showMasterPhAnim="0">
   <p:cSld>
     <p:spTree>
@@ -3445,7 +3557,7 @@
 </p:notes>
 </file>
 
-<file path=ppt/notesSlides/notesSlide33.xml><?xml version="1.0" encoding="utf-8"?>
+<file path=ppt/notesSlides/notesSlide34.xml><?xml version="1.0" encoding="utf-8"?>
 <p:notes xmlns:a="http://schemas.openxmlformats.org/drawingml/2006/main" xmlns:r="http://schemas.openxmlformats.org/officeDocument/2006/relationships" xmlns:p="http://schemas.openxmlformats.org/presentationml/2006/main" showMasterSp="0" showMasterPhAnim="0">
   <p:cSld>
     <p:spTree>
@@ -3542,6 +3654,224 @@
         </p:spPr>
       </p:sp>
     </p:spTree>
+  </p:cSld>
+  <p:clrMapOvr>
+    <a:masterClrMapping/>
+  </p:clrMapOvr>
+</p:notes>
+</file>
+
+<file path=ppt/notesSlides/notesSlide35.xml><?xml version="1.0" encoding="utf-8"?>
+<p:notes xmlns:a="http://schemas.openxmlformats.org/drawingml/2006/main" xmlns:r="http://schemas.openxmlformats.org/officeDocument/2006/relationships" xmlns:p="http://schemas.openxmlformats.org/presentationml/2006/main" showMasterSp="0" showMasterPhAnim="0">
+  <p:cSld>
+    <p:spTree>
+      <p:nvGrpSpPr>
+        <p:cNvPr id="1" name="Shape 407"/>
+        <p:cNvGrpSpPr/>
+        <p:nvPr/>
+      </p:nvGrpSpPr>
+      <p:grpSpPr>
+        <a:xfrm>
+          <a:off x="0" y="0"/>
+          <a:ext cx="0" cy="0"/>
+          <a:chOff x="0" y="0"/>
+          <a:chExt cx="0" cy="0"/>
+        </a:xfrm>
+      </p:grpSpPr>
+      <p:sp>
+        <p:nvSpPr>
+          <p:cNvPr id="408" name="Google Shape;408;p34:notes"/>
+          <p:cNvSpPr txBox="1">
+            <a:spLocks noGrp="1"/>
+          </p:cNvSpPr>
+          <p:nvPr>
+            <p:ph type="body" idx="1"/>
+          </p:nvPr>
+        </p:nvSpPr>
+        <p:spPr>
+          <a:xfrm>
+            <a:off x="685800" y="4343400"/>
+            <a:ext cx="5486400" cy="4114800"/>
+          </a:xfrm>
+          <a:prstGeom prst="rect">
+            <a:avLst/>
+          </a:prstGeom>
+        </p:spPr>
+        <p:txBody>
+          <a:bodyPr spcFirstLastPara="1" wrap="square" lIns="91425" tIns="91425" rIns="91425" bIns="91425" anchor="t" anchorCtr="0">
+            <a:noAutofit/>
+          </a:bodyPr>
+          <a:lstStyle/>
+          <a:p>
+            <a:pPr marL="0" lvl="0" indent="0">
+              <a:spcBef>
+                <a:spcPts val="0"/>
+              </a:spcBef>
+              <a:spcAft>
+                <a:spcPts val="0"/>
+              </a:spcAft>
+              <a:buNone/>
+            </a:pPr>
+            <a:endParaRPr/>
+          </a:p>
+        </p:txBody>
+      </p:sp>
+      <p:sp>
+        <p:nvSpPr>
+          <p:cNvPr id="409" name="Google Shape;409;p34:notes"/>
+          <p:cNvSpPr>
+            <a:spLocks noGrp="1" noRot="1" noChangeAspect="1"/>
+          </p:cNvSpPr>
+          <p:nvPr>
+            <p:ph type="sldImg" idx="2"/>
+          </p:nvPr>
+        </p:nvSpPr>
+        <p:spPr>
+          <a:xfrm>
+            <a:off x="952500" y="685800"/>
+            <a:ext cx="4953000" cy="3429000"/>
+          </a:xfrm>
+          <a:custGeom>
+            <a:avLst/>
+            <a:gdLst/>
+            <a:ahLst/>
+            <a:cxnLst/>
+            <a:rect l="l" t="t" r="r" b="b"/>
+            <a:pathLst>
+              <a:path w="120000" h="120000" extrusionOk="0">
+                <a:moveTo>
+                  <a:pt x="0" y="0"/>
+                </a:moveTo>
+                <a:lnTo>
+                  <a:pt x="120000" y="0"/>
+                </a:lnTo>
+                <a:lnTo>
+                  <a:pt x="120000" y="120000"/>
+                </a:lnTo>
+                <a:lnTo>
+                  <a:pt x="0" y="120000"/>
+                </a:lnTo>
+                <a:close/>
+              </a:path>
+            </a:pathLst>
+          </a:custGeom>
+        </p:spPr>
+      </p:sp>
+    </p:spTree>
+    <p:extLst>
+      <p:ext uri="{BB962C8B-B14F-4D97-AF65-F5344CB8AC3E}">
+        <p14:creationId xmlns:p14="http://schemas.microsoft.com/office/powerpoint/2010/main" val="1557898408"/>
+      </p:ext>
+    </p:extLst>
+  </p:cSld>
+  <p:clrMapOvr>
+    <a:masterClrMapping/>
+  </p:clrMapOvr>
+</p:notes>
+</file>
+
+<file path=ppt/notesSlides/notesSlide36.xml><?xml version="1.0" encoding="utf-8"?>
+<p:notes xmlns:a="http://schemas.openxmlformats.org/drawingml/2006/main" xmlns:r="http://schemas.openxmlformats.org/officeDocument/2006/relationships" xmlns:p="http://schemas.openxmlformats.org/presentationml/2006/main" showMasterSp="0" showMasterPhAnim="0">
+  <p:cSld>
+    <p:spTree>
+      <p:nvGrpSpPr>
+        <p:cNvPr id="1" name="Shape 407"/>
+        <p:cNvGrpSpPr/>
+        <p:nvPr/>
+      </p:nvGrpSpPr>
+      <p:grpSpPr>
+        <a:xfrm>
+          <a:off x="0" y="0"/>
+          <a:ext cx="0" cy="0"/>
+          <a:chOff x="0" y="0"/>
+          <a:chExt cx="0" cy="0"/>
+        </a:xfrm>
+      </p:grpSpPr>
+      <p:sp>
+        <p:nvSpPr>
+          <p:cNvPr id="408" name="Google Shape;408;p34:notes"/>
+          <p:cNvSpPr txBox="1">
+            <a:spLocks noGrp="1"/>
+          </p:cNvSpPr>
+          <p:nvPr>
+            <p:ph type="body" idx="1"/>
+          </p:nvPr>
+        </p:nvSpPr>
+        <p:spPr>
+          <a:xfrm>
+            <a:off x="685800" y="4343400"/>
+            <a:ext cx="5486400" cy="4114800"/>
+          </a:xfrm>
+          <a:prstGeom prst="rect">
+            <a:avLst/>
+          </a:prstGeom>
+        </p:spPr>
+        <p:txBody>
+          <a:bodyPr spcFirstLastPara="1" wrap="square" lIns="91425" tIns="91425" rIns="91425" bIns="91425" anchor="t" anchorCtr="0">
+            <a:noAutofit/>
+          </a:bodyPr>
+          <a:lstStyle/>
+          <a:p>
+            <a:pPr marL="0" lvl="0" indent="0">
+              <a:spcBef>
+                <a:spcPts val="0"/>
+              </a:spcBef>
+              <a:spcAft>
+                <a:spcPts val="0"/>
+              </a:spcAft>
+              <a:buNone/>
+            </a:pPr>
+            <a:endParaRPr/>
+          </a:p>
+        </p:txBody>
+      </p:sp>
+      <p:sp>
+        <p:nvSpPr>
+          <p:cNvPr id="409" name="Google Shape;409;p34:notes"/>
+          <p:cNvSpPr>
+            <a:spLocks noGrp="1" noRot="1" noChangeAspect="1"/>
+          </p:cNvSpPr>
+          <p:nvPr>
+            <p:ph type="sldImg" idx="2"/>
+          </p:nvPr>
+        </p:nvSpPr>
+        <p:spPr>
+          <a:xfrm>
+            <a:off x="952500" y="685800"/>
+            <a:ext cx="4953000" cy="3429000"/>
+          </a:xfrm>
+          <a:custGeom>
+            <a:avLst/>
+            <a:gdLst/>
+            <a:ahLst/>
+            <a:cxnLst/>
+            <a:rect l="l" t="t" r="r" b="b"/>
+            <a:pathLst>
+              <a:path w="120000" h="120000" extrusionOk="0">
+                <a:moveTo>
+                  <a:pt x="0" y="0"/>
+                </a:moveTo>
+                <a:lnTo>
+                  <a:pt x="120000" y="0"/>
+                </a:lnTo>
+                <a:lnTo>
+                  <a:pt x="120000" y="120000"/>
+                </a:lnTo>
+                <a:lnTo>
+                  <a:pt x="0" y="120000"/>
+                </a:lnTo>
+                <a:close/>
+              </a:path>
+            </a:pathLst>
+          </a:custGeom>
+        </p:spPr>
+      </p:sp>
+    </p:spTree>
+    <p:extLst>
+      <p:ext uri="{BB962C8B-B14F-4D97-AF65-F5344CB8AC3E}">
+        <p14:creationId xmlns:p14="http://schemas.microsoft.com/office/powerpoint/2010/main" val="3482030745"/>
+      </p:ext>
+    </p:extLst>
   </p:cSld>
   <p:clrMapOvr>
     <a:masterClrMapping/>
@@ -22059,7 +22389,7 @@
               <a:buNone/>
             </a:pPr>
             <a:r>
-              <a:rPr lang="en-AU" sz="2000">
+              <a:rPr lang="en-AU" sz="2000" dirty="0">
                 <a:solidFill>
                   <a:schemeClr val="dk1"/>
                 </a:solidFill>
@@ -22070,7 +22400,7 @@
               </a:rPr>
               <a:t>Acceptance Criteria</a:t>
             </a:r>
-            <a:endParaRPr/>
+            <a:endParaRPr dirty="0"/>
           </a:p>
           <a:p>
             <a:pPr marL="179387" lvl="0" indent="-141287" rtl="0">
@@ -22088,7 +22418,7 @@
               <a:buChar char="•"/>
             </a:pPr>
             <a:r>
-              <a:rPr lang="en-AU">
+              <a:rPr lang="en-AU" dirty="0">
                 <a:solidFill>
                   <a:schemeClr val="dk1"/>
                 </a:solidFill>
@@ -22099,7 +22429,7 @@
               </a:rPr>
               <a:t>From the home page a “find cars” button is displayed</a:t>
             </a:r>
-            <a:endParaRPr>
+            <a:endParaRPr dirty="0">
               <a:solidFill>
                 <a:schemeClr val="dk1"/>
               </a:solidFill>
@@ -22125,7 +22455,7 @@
               <a:buChar char="•"/>
             </a:pPr>
             <a:r>
-              <a:rPr lang="en-AU">
+              <a:rPr lang="en-AU" dirty="0">
                 <a:solidFill>
                   <a:schemeClr val="dk1"/>
                 </a:solidFill>
@@ -22136,7 +22466,7 @@
               </a:rPr>
               <a:t>Clicking the find cars button redirects the user to the “find cars” page where two boxes to enter a minimum and maximum price are displayed with a search button</a:t>
             </a:r>
-            <a:endParaRPr>
+            <a:endParaRPr dirty="0">
               <a:solidFill>
                 <a:schemeClr val="dk1"/>
               </a:solidFill>
@@ -22162,7 +22492,7 @@
               <a:buChar char="•"/>
             </a:pPr>
             <a:r>
-              <a:rPr lang="en-AU">
+              <a:rPr lang="en-AU" dirty="0">
                 <a:solidFill>
                   <a:schemeClr val="dk1"/>
                 </a:solidFill>
@@ -22173,7 +22503,7 @@
               </a:rPr>
               <a:t>Attempting to click the button with empty boxes or a minimum less than maximum alerts the user</a:t>
             </a:r>
-            <a:endParaRPr>
+            <a:endParaRPr dirty="0">
               <a:solidFill>
                 <a:schemeClr val="dk1"/>
               </a:solidFill>
@@ -22199,7 +22529,7 @@
               <a:buChar char="•"/>
             </a:pPr>
             <a:r>
-              <a:rPr lang="en-AU">
+              <a:rPr lang="en-AU" dirty="0">
                 <a:solidFill>
                   <a:schemeClr val="dk1"/>
                 </a:solidFill>
@@ -22210,7 +22540,7 @@
               </a:rPr>
               <a:t>Correctly clicking the button displays a new table of car details that have the price within the range specified (based on the previously displayed information)</a:t>
             </a:r>
-            <a:endParaRPr>
+            <a:endParaRPr dirty="0">
               <a:solidFill>
                 <a:schemeClr val="dk1"/>
               </a:solidFill>
@@ -22230,7 +22560,7 @@
               </a:spcAft>
               <a:buNone/>
             </a:pPr>
-            <a:endParaRPr sz="2000">
+            <a:endParaRPr sz="2000" dirty="0">
               <a:solidFill>
                 <a:schemeClr val="dk1"/>
               </a:solidFill>
@@ -22737,7 +23067,7 @@
               <a:buNone/>
             </a:pPr>
             <a:r>
-              <a:rPr lang="en-AU" sz="2000">
+              <a:rPr lang="en-AU" sz="2000" dirty="0">
                 <a:solidFill>
                   <a:schemeClr val="dk1"/>
                 </a:solidFill>
@@ -22748,7 +23078,7 @@
               </a:rPr>
               <a:t>Acceptance Criteria</a:t>
             </a:r>
-            <a:endParaRPr sz="2000">
+            <a:endParaRPr sz="2000" dirty="0">
               <a:solidFill>
                 <a:schemeClr val="dk1"/>
               </a:solidFill>
@@ -22774,7 +23104,7 @@
               <a:buChar char="●"/>
             </a:pPr>
             <a:r>
-              <a:rPr lang="en-AU" sz="1600">
+              <a:rPr lang="en-AU" sz="1600" dirty="0">
                 <a:solidFill>
                   <a:schemeClr val="dk1"/>
                 </a:solidFill>
@@ -22785,7 +23115,7 @@
               </a:rPr>
               <a:t>From the home page a “rental history” button is displayed</a:t>
             </a:r>
-            <a:endParaRPr sz="1600">
+            <a:endParaRPr sz="1600" dirty="0">
               <a:solidFill>
                 <a:schemeClr val="dk1"/>
               </a:solidFill>
@@ -22811,7 +23141,7 @@
               <a:buChar char="●"/>
             </a:pPr>
             <a:r>
-              <a:rPr lang="en-AU" sz="1600">
+              <a:rPr lang="en-AU" sz="1600" dirty="0">
                 <a:solidFill>
                   <a:schemeClr val="dk1"/>
                 </a:solidFill>
@@ -22822,7 +23152,7 @@
               </a:rPr>
               <a:t>Clicking the button redirects the user to the rental history page where a drop-down list of months exists for the user to select from. A “generate report button is also shown</a:t>
             </a:r>
-            <a:endParaRPr sz="1600">
+            <a:endParaRPr sz="1600" dirty="0">
               <a:solidFill>
                 <a:schemeClr val="dk1"/>
               </a:solidFill>
@@ -22848,7 +23178,7 @@
               <a:buChar char="●"/>
             </a:pPr>
             <a:r>
-              <a:rPr lang="en-AU" sz="1600">
+              <a:rPr lang="en-AU" sz="1600" dirty="0">
                 <a:solidFill>
                   <a:schemeClr val="dk1"/>
                 </a:solidFill>
@@ -22859,7 +23189,7 @@
               </a:rPr>
               <a:t>When the ‘generate report’ button is pressed, a report for the chosen month is generated for the user to see. But if no month is selected an error comes up.</a:t>
             </a:r>
-            <a:endParaRPr sz="1600">
+            <a:endParaRPr sz="1600" dirty="0">
               <a:solidFill>
                 <a:schemeClr val="dk1"/>
               </a:solidFill>
@@ -23048,7 +23378,7 @@
               <a:buNone/>
             </a:pPr>
             <a:r>
-              <a:rPr lang="en-AU" sz="2000">
+              <a:rPr lang="en-AU" sz="2000" dirty="0">
                 <a:solidFill>
                   <a:schemeClr val="dk1"/>
                 </a:solidFill>
@@ -23059,7 +23389,7 @@
               </a:rPr>
               <a:t>Notes</a:t>
             </a:r>
-            <a:endParaRPr sz="2000">
+            <a:endParaRPr sz="2000" dirty="0">
               <a:solidFill>
                 <a:schemeClr val="dk1"/>
               </a:solidFill>
@@ -23085,7 +23415,7 @@
               <a:buChar char="●"/>
             </a:pPr>
             <a:r>
-              <a:rPr lang="en-AU" sz="2000">
+              <a:rPr lang="en-AU" sz="2000" dirty="0">
                 <a:solidFill>
                   <a:schemeClr val="dk1"/>
                 </a:solidFill>
@@ -23096,7 +23426,7 @@
               </a:rPr>
               <a:t>Report contains information for the selected month about things such as: number of cars bought per store (and as a total), total money earned, most active customers, most and least used stores, etc.</a:t>
             </a:r>
-            <a:endParaRPr sz="2000">
+            <a:endParaRPr sz="2000" dirty="0">
               <a:solidFill>
                 <a:schemeClr val="dk1"/>
               </a:solidFill>
@@ -23116,7 +23446,7 @@
               </a:spcAft>
               <a:buNone/>
             </a:pPr>
-            <a:endParaRPr sz="2000">
+            <a:endParaRPr sz="2000" dirty="0">
               <a:solidFill>
                 <a:schemeClr val="dk1"/>
               </a:solidFill>
@@ -30110,6 +30440,563 @@
   <p:cSld>
     <p:spTree>
       <p:nvGrpSpPr>
+        <p:cNvPr id="1" name="Shape 344"/>
+        <p:cNvGrpSpPr/>
+        <p:nvPr/>
+      </p:nvGrpSpPr>
+      <p:grpSpPr>
+        <a:xfrm>
+          <a:off x="0" y="0"/>
+          <a:ext cx="0" cy="0"/>
+          <a:chOff x="0" y="0"/>
+          <a:chExt cx="0" cy="0"/>
+        </a:xfrm>
+      </p:grpSpPr>
+      <p:sp>
+        <p:nvSpPr>
+          <p:cNvPr id="345" name="Google Shape;345;p37"/>
+          <p:cNvSpPr/>
+          <p:nvPr/>
+        </p:nvSpPr>
+        <p:spPr>
+          <a:xfrm>
+            <a:off x="39153" y="109410"/>
+            <a:ext cx="720000" cy="540000"/>
+          </a:xfrm>
+          <a:prstGeom prst="rect">
+            <a:avLst/>
+          </a:prstGeom>
+          <a:solidFill>
+            <a:srgbClr val="B7CCE4"/>
+          </a:solidFill>
+          <a:ln w="25400" cap="flat" cmpd="sng">
+            <a:solidFill>
+              <a:srgbClr val="244061"/>
+            </a:solidFill>
+            <a:prstDash val="solid"/>
+            <a:round/>
+            <a:headEnd type="none" w="sm" len="sm"/>
+            <a:tailEnd type="none" w="sm" len="sm"/>
+          </a:ln>
+        </p:spPr>
+        <p:txBody>
+          <a:bodyPr spcFirstLastPara="1" wrap="square" lIns="0" tIns="45700" rIns="0" bIns="45700" anchor="ctr" anchorCtr="0">
+            <a:noAutofit/>
+          </a:bodyPr>
+          <a:lstStyle/>
+          <a:p>
+            <a:pPr marL="0" marR="0" lvl="0" indent="0" algn="ctr" rtl="0">
+              <a:spcBef>
+                <a:spcPts val="0"/>
+              </a:spcBef>
+              <a:spcAft>
+                <a:spcPts val="0"/>
+              </a:spcAft>
+              <a:buNone/>
+            </a:pPr>
+            <a:r>
+              <a:rPr lang="en-AU" sz="2000" dirty="0">
+                <a:solidFill>
+                  <a:schemeClr val="dk1"/>
+                </a:solidFill>
+                <a:latin typeface="Calibri"/>
+                <a:ea typeface="Calibri"/>
+                <a:cs typeface="Calibri"/>
+                <a:sym typeface="Calibri"/>
+              </a:rPr>
+              <a:t>27</a:t>
+            </a:r>
+            <a:endParaRPr sz="2000" dirty="0">
+              <a:solidFill>
+                <a:schemeClr val="dk1"/>
+              </a:solidFill>
+              <a:latin typeface="Calibri"/>
+              <a:ea typeface="Calibri"/>
+              <a:cs typeface="Calibri"/>
+              <a:sym typeface="Calibri"/>
+            </a:endParaRPr>
+          </a:p>
+        </p:txBody>
+      </p:sp>
+      <p:sp>
+        <p:nvSpPr>
+          <p:cNvPr id="346" name="Google Shape;346;p37"/>
+          <p:cNvSpPr/>
+          <p:nvPr/>
+        </p:nvSpPr>
+        <p:spPr>
+          <a:xfrm>
+            <a:off x="831153" y="109410"/>
+            <a:ext cx="7380000" cy="540000"/>
+          </a:xfrm>
+          <a:prstGeom prst="rect">
+            <a:avLst/>
+          </a:prstGeom>
+          <a:solidFill>
+            <a:schemeClr val="accent1"/>
+          </a:solidFill>
+          <a:ln w="25400" cap="flat" cmpd="sng">
+            <a:solidFill>
+              <a:srgbClr val="244061"/>
+            </a:solidFill>
+            <a:prstDash val="solid"/>
+            <a:round/>
+            <a:headEnd type="none" w="sm" len="sm"/>
+            <a:tailEnd type="none" w="sm" len="sm"/>
+          </a:ln>
+        </p:spPr>
+        <p:txBody>
+          <a:bodyPr spcFirstLastPara="1" wrap="square" lIns="91425" tIns="45700" rIns="91425" bIns="45700" anchor="ctr" anchorCtr="0">
+            <a:noAutofit/>
+          </a:bodyPr>
+          <a:lstStyle/>
+          <a:p>
+            <a:pPr marL="0" marR="0" lvl="0" indent="0" algn="ctr" rtl="0">
+              <a:spcBef>
+                <a:spcPts val="0"/>
+              </a:spcBef>
+              <a:spcAft>
+                <a:spcPts val="0"/>
+              </a:spcAft>
+              <a:buNone/>
+            </a:pPr>
+            <a:r>
+              <a:rPr lang="en-AU" sz="2800" dirty="0">
+                <a:solidFill>
+                  <a:schemeClr val="lt1"/>
+                </a:solidFill>
+                <a:latin typeface="Calibri"/>
+                <a:ea typeface="Calibri"/>
+                <a:cs typeface="Calibri"/>
+                <a:sym typeface="Calibri"/>
+              </a:rPr>
+              <a:t>Generate Current Report</a:t>
+            </a:r>
+            <a:endParaRPr sz="2800" dirty="0">
+              <a:solidFill>
+                <a:schemeClr val="lt1"/>
+              </a:solidFill>
+              <a:latin typeface="Calibri"/>
+              <a:ea typeface="Calibri"/>
+              <a:cs typeface="Calibri"/>
+              <a:sym typeface="Calibri"/>
+            </a:endParaRPr>
+          </a:p>
+        </p:txBody>
+      </p:sp>
+      <p:sp>
+        <p:nvSpPr>
+          <p:cNvPr id="347" name="Google Shape;347;p37"/>
+          <p:cNvSpPr/>
+          <p:nvPr/>
+        </p:nvSpPr>
+        <p:spPr>
+          <a:xfrm>
+            <a:off x="39153" y="822470"/>
+            <a:ext cx="9828000" cy="2340000"/>
+          </a:xfrm>
+          <a:prstGeom prst="rect">
+            <a:avLst/>
+          </a:prstGeom>
+          <a:solidFill>
+            <a:srgbClr val="C5D8F1"/>
+          </a:solidFill>
+          <a:ln w="25400" cap="flat" cmpd="sng">
+            <a:solidFill>
+              <a:srgbClr val="244061"/>
+            </a:solidFill>
+            <a:prstDash val="solid"/>
+            <a:round/>
+            <a:headEnd type="none" w="sm" len="sm"/>
+            <a:tailEnd type="none" w="sm" len="sm"/>
+          </a:ln>
+        </p:spPr>
+        <p:txBody>
+          <a:bodyPr spcFirstLastPara="1" wrap="square" lIns="91425" tIns="45700" rIns="91425" bIns="45700" anchor="t" anchorCtr="0">
+            <a:noAutofit/>
+          </a:bodyPr>
+          <a:lstStyle/>
+          <a:p>
+            <a:pPr marL="0" marR="0" lvl="0" indent="0" algn="l" rtl="0">
+              <a:spcBef>
+                <a:spcPts val="0"/>
+              </a:spcBef>
+              <a:spcAft>
+                <a:spcPts val="0"/>
+              </a:spcAft>
+              <a:buNone/>
+            </a:pPr>
+            <a:r>
+              <a:rPr lang="en-AU" sz="2400" dirty="0">
+                <a:solidFill>
+                  <a:schemeClr val="dk1"/>
+                </a:solidFill>
+                <a:latin typeface="Calibri"/>
+                <a:ea typeface="Calibri"/>
+                <a:cs typeface="Calibri"/>
+                <a:sym typeface="Calibri"/>
+              </a:rPr>
+              <a:t>As a board member I wish to be able to quickly generate a report for the current month, so that I can easily see the most recent activity of the business</a:t>
+            </a:r>
+            <a:endParaRPr sz="2400" dirty="0">
+              <a:solidFill>
+                <a:schemeClr val="dk1"/>
+              </a:solidFill>
+              <a:latin typeface="Calibri"/>
+              <a:ea typeface="Calibri"/>
+              <a:cs typeface="Calibri"/>
+              <a:sym typeface="Calibri"/>
+            </a:endParaRPr>
+          </a:p>
+        </p:txBody>
+      </p:sp>
+      <p:sp>
+        <p:nvSpPr>
+          <p:cNvPr id="348" name="Google Shape;348;p37"/>
+          <p:cNvSpPr/>
+          <p:nvPr/>
+        </p:nvSpPr>
+        <p:spPr>
+          <a:xfrm>
+            <a:off x="39153" y="3335530"/>
+            <a:ext cx="9828000" cy="1620000"/>
+          </a:xfrm>
+          <a:prstGeom prst="rect">
+            <a:avLst/>
+          </a:prstGeom>
+          <a:solidFill>
+            <a:srgbClr val="DAE5F1"/>
+          </a:solidFill>
+          <a:ln w="25400" cap="flat" cmpd="sng">
+            <a:solidFill>
+              <a:srgbClr val="244061"/>
+            </a:solidFill>
+            <a:prstDash val="solid"/>
+            <a:round/>
+            <a:headEnd type="none" w="sm" len="sm"/>
+            <a:tailEnd type="none" w="sm" len="sm"/>
+          </a:ln>
+        </p:spPr>
+        <p:txBody>
+          <a:bodyPr spcFirstLastPara="1" wrap="square" lIns="91425" tIns="36000" rIns="91425" bIns="45700" anchor="t" anchorCtr="0">
+            <a:noAutofit/>
+          </a:bodyPr>
+          <a:lstStyle/>
+          <a:p>
+            <a:pPr marL="0" marR="0" lvl="0" indent="0" algn="l" rtl="0">
+              <a:spcBef>
+                <a:spcPts val="0"/>
+              </a:spcBef>
+              <a:spcAft>
+                <a:spcPts val="0"/>
+              </a:spcAft>
+              <a:buNone/>
+            </a:pPr>
+            <a:r>
+              <a:rPr lang="en-AU" sz="2000" dirty="0">
+                <a:solidFill>
+                  <a:schemeClr val="dk1"/>
+                </a:solidFill>
+                <a:latin typeface="Calibri"/>
+                <a:ea typeface="Calibri"/>
+                <a:cs typeface="Calibri"/>
+                <a:sym typeface="Calibri"/>
+              </a:rPr>
+              <a:t>Acceptance Criteria</a:t>
+            </a:r>
+            <a:endParaRPr dirty="0"/>
+          </a:p>
+          <a:p>
+            <a:pPr marL="457200" lvl="0" indent="-330200">
+              <a:buClr>
+                <a:schemeClr val="dk1"/>
+              </a:buClr>
+              <a:buSzPts val="1600"/>
+              <a:buFont typeface="Calibri"/>
+              <a:buChar char="●"/>
+            </a:pPr>
+            <a:r>
+              <a:rPr lang="en-US" sz="1600" dirty="0">
+                <a:solidFill>
+                  <a:schemeClr val="dk1"/>
+                </a:solidFill>
+                <a:latin typeface="Calibri"/>
+                <a:ea typeface="Calibri"/>
+                <a:cs typeface="Calibri"/>
+                <a:sym typeface="Calibri"/>
+              </a:rPr>
+              <a:t>From the home page a “rental history” button is displayed</a:t>
+            </a:r>
+          </a:p>
+          <a:p>
+            <a:pPr marL="457200" lvl="0" indent="-330200">
+              <a:buClr>
+                <a:schemeClr val="dk1"/>
+              </a:buClr>
+              <a:buSzPts val="1600"/>
+              <a:buFont typeface="Calibri"/>
+              <a:buChar char="●"/>
+            </a:pPr>
+            <a:r>
+              <a:rPr lang="en-US" sz="1600" dirty="0">
+                <a:solidFill>
+                  <a:schemeClr val="dk1"/>
+                </a:solidFill>
+                <a:latin typeface="Calibri"/>
+                <a:ea typeface="Calibri"/>
+                <a:cs typeface="Calibri"/>
+                <a:sym typeface="Calibri"/>
+              </a:rPr>
+              <a:t>Clicking the button redirects the user to the rental history page where a “generate report” button is shown with another button saying ‘current month’</a:t>
+            </a:r>
+          </a:p>
+          <a:p>
+            <a:pPr marL="457200" lvl="0" indent="-330200">
+              <a:buClr>
+                <a:schemeClr val="dk1"/>
+              </a:buClr>
+              <a:buSzPts val="1600"/>
+              <a:buFont typeface="Calibri"/>
+              <a:buChar char="●"/>
+            </a:pPr>
+            <a:r>
+              <a:rPr lang="en-US" sz="1600" dirty="0">
+                <a:solidFill>
+                  <a:schemeClr val="dk1"/>
+                </a:solidFill>
+                <a:latin typeface="Calibri"/>
+                <a:ea typeface="Calibri"/>
+                <a:cs typeface="Calibri"/>
+                <a:sym typeface="Calibri"/>
+              </a:rPr>
+              <a:t>When the ‘current month’ button is pressed, a report for the current month is generated for the user to see.</a:t>
+            </a:r>
+          </a:p>
+        </p:txBody>
+      </p:sp>
+      <p:sp>
+        <p:nvSpPr>
+          <p:cNvPr id="349" name="Google Shape;349;p37"/>
+          <p:cNvSpPr/>
+          <p:nvPr/>
+        </p:nvSpPr>
+        <p:spPr>
+          <a:xfrm>
+            <a:off x="9147153" y="109410"/>
+            <a:ext cx="720000" cy="540000"/>
+          </a:xfrm>
+          <a:prstGeom prst="rect">
+            <a:avLst/>
+          </a:prstGeom>
+          <a:solidFill>
+            <a:srgbClr val="CCF0CD">
+              <a:alpha val="20000"/>
+            </a:srgbClr>
+          </a:solidFill>
+          <a:ln w="25400" cap="flat" cmpd="sng">
+            <a:solidFill>
+              <a:srgbClr val="244061"/>
+            </a:solidFill>
+            <a:prstDash val="solid"/>
+            <a:round/>
+            <a:headEnd type="none" w="sm" len="sm"/>
+            <a:tailEnd type="none" w="sm" len="sm"/>
+          </a:ln>
+        </p:spPr>
+        <p:txBody>
+          <a:bodyPr spcFirstLastPara="1" wrap="square" lIns="0" tIns="45700" rIns="0" bIns="45700" anchor="ctr" anchorCtr="0">
+            <a:noAutofit/>
+          </a:bodyPr>
+          <a:lstStyle/>
+          <a:p>
+            <a:pPr marL="0" marR="0" lvl="0" indent="0" algn="ctr" rtl="0">
+              <a:spcBef>
+                <a:spcPts val="0"/>
+              </a:spcBef>
+              <a:spcAft>
+                <a:spcPts val="0"/>
+              </a:spcAft>
+              <a:buNone/>
+            </a:pPr>
+            <a:r>
+              <a:rPr lang="en-AU" sz="2000">
+                <a:solidFill>
+                  <a:schemeClr val="dk1"/>
+                </a:solidFill>
+                <a:latin typeface="Calibri"/>
+                <a:ea typeface="Calibri"/>
+                <a:cs typeface="Calibri"/>
+                <a:sym typeface="Calibri"/>
+              </a:rPr>
+              <a:t>2</a:t>
+            </a:r>
+            <a:endParaRPr sz="2000">
+              <a:solidFill>
+                <a:schemeClr val="dk1"/>
+              </a:solidFill>
+              <a:latin typeface="Calibri"/>
+              <a:ea typeface="Calibri"/>
+              <a:cs typeface="Calibri"/>
+              <a:sym typeface="Calibri"/>
+            </a:endParaRPr>
+          </a:p>
+        </p:txBody>
+      </p:sp>
+      <p:sp>
+        <p:nvSpPr>
+          <p:cNvPr id="350" name="Google Shape;350;p37"/>
+          <p:cNvSpPr/>
+          <p:nvPr/>
+        </p:nvSpPr>
+        <p:spPr>
+          <a:xfrm>
+            <a:off x="8283153" y="109410"/>
+            <a:ext cx="792000" cy="540000"/>
+          </a:xfrm>
+          <a:prstGeom prst="rect">
+            <a:avLst/>
+          </a:prstGeom>
+          <a:solidFill>
+            <a:srgbClr val="E5DFEC"/>
+          </a:solidFill>
+          <a:ln w="25400" cap="flat" cmpd="sng">
+            <a:solidFill>
+              <a:srgbClr val="244061"/>
+            </a:solidFill>
+            <a:prstDash val="solid"/>
+            <a:round/>
+            <a:headEnd type="none" w="sm" len="sm"/>
+            <a:tailEnd type="none" w="sm" len="sm"/>
+          </a:ln>
+        </p:spPr>
+        <p:txBody>
+          <a:bodyPr spcFirstLastPara="1" wrap="square" lIns="0" tIns="45700" rIns="0" bIns="45700" anchor="ctr" anchorCtr="0">
+            <a:noAutofit/>
+          </a:bodyPr>
+          <a:lstStyle/>
+          <a:p>
+            <a:pPr marL="0" marR="0" lvl="0" indent="0" algn="ctr" rtl="0">
+              <a:spcBef>
+                <a:spcPts val="0"/>
+              </a:spcBef>
+              <a:spcAft>
+                <a:spcPts val="0"/>
+              </a:spcAft>
+              <a:buNone/>
+            </a:pPr>
+            <a:r>
+              <a:rPr lang="en-AU" sz="2000">
+                <a:solidFill>
+                  <a:schemeClr val="dk1"/>
+                </a:solidFill>
+                <a:latin typeface="Calibri"/>
+                <a:ea typeface="Calibri"/>
+                <a:cs typeface="Calibri"/>
+                <a:sym typeface="Calibri"/>
+              </a:rPr>
+              <a:t>Should</a:t>
+            </a:r>
+            <a:endParaRPr sz="2000">
+              <a:solidFill>
+                <a:schemeClr val="dk1"/>
+              </a:solidFill>
+              <a:latin typeface="Calibri"/>
+              <a:ea typeface="Calibri"/>
+              <a:cs typeface="Calibri"/>
+              <a:sym typeface="Calibri"/>
+            </a:endParaRPr>
+          </a:p>
+        </p:txBody>
+      </p:sp>
+      <p:sp>
+        <p:nvSpPr>
+          <p:cNvPr id="351" name="Google Shape;351;p37"/>
+          <p:cNvSpPr/>
+          <p:nvPr/>
+        </p:nvSpPr>
+        <p:spPr>
+          <a:xfrm>
+            <a:off x="39153" y="5128590"/>
+            <a:ext cx="9828000" cy="1620000"/>
+          </a:xfrm>
+          <a:prstGeom prst="rect">
+            <a:avLst/>
+          </a:prstGeom>
+          <a:solidFill>
+            <a:schemeClr val="lt1"/>
+          </a:solidFill>
+          <a:ln w="25400" cap="flat" cmpd="sng">
+            <a:solidFill>
+              <a:srgbClr val="244061"/>
+            </a:solidFill>
+            <a:prstDash val="solid"/>
+            <a:round/>
+            <a:headEnd type="none" w="sm" len="sm"/>
+            <a:tailEnd type="none" w="sm" len="sm"/>
+          </a:ln>
+        </p:spPr>
+        <p:txBody>
+          <a:bodyPr spcFirstLastPara="1" wrap="square" lIns="91425" tIns="36000" rIns="91425" bIns="45700" anchor="t" anchorCtr="0">
+            <a:noAutofit/>
+          </a:bodyPr>
+          <a:lstStyle/>
+          <a:p>
+            <a:pPr lvl="0"/>
+            <a:r>
+              <a:rPr lang="en-US" sz="2000" dirty="0">
+                <a:solidFill>
+                  <a:schemeClr val="dk1"/>
+                </a:solidFill>
+                <a:latin typeface="Calibri"/>
+                <a:ea typeface="Calibri"/>
+                <a:cs typeface="Calibri"/>
+                <a:sym typeface="Calibri"/>
+              </a:rPr>
+              <a:t>Notes</a:t>
+            </a:r>
+          </a:p>
+          <a:p>
+            <a:pPr marL="457200" lvl="0" indent="-355600">
+              <a:buClr>
+                <a:schemeClr val="dk1"/>
+              </a:buClr>
+              <a:buSzPts val="2000"/>
+              <a:buFont typeface="Calibri"/>
+              <a:buChar char="●"/>
+            </a:pPr>
+            <a:r>
+              <a:rPr lang="en-US" sz="2000" dirty="0">
+                <a:solidFill>
+                  <a:schemeClr val="dk1"/>
+                </a:solidFill>
+                <a:latin typeface="Calibri"/>
+                <a:ea typeface="Calibri"/>
+                <a:cs typeface="Calibri"/>
+                <a:sym typeface="Calibri"/>
+              </a:rPr>
+              <a:t>Report contains information for the selected month about things such as: number of cars bought per store (and as a total), total money earned, most active customers, most and least used stores, etc.</a:t>
+            </a:r>
+          </a:p>
+        </p:txBody>
+      </p:sp>
+    </p:spTree>
+    <p:extLst>
+      <p:ext uri="{BB962C8B-B14F-4D97-AF65-F5344CB8AC3E}">
+        <p14:creationId xmlns:p14="http://schemas.microsoft.com/office/powerpoint/2010/main" val="3855349490"/>
+      </p:ext>
+    </p:extLst>
+  </p:cSld>
+  <p:clrMapOvr>
+    <a:masterClrMapping/>
+  </p:clrMapOvr>
+</p:sld>
+</file>
+
+<file path=ppt/slides/slide29.xml><?xml version="1.0" encoding="utf-8"?>
+<p:sld xmlns:a="http://schemas.openxmlformats.org/drawingml/2006/main" xmlns:r="http://schemas.openxmlformats.org/officeDocument/2006/relationships" xmlns:p="http://schemas.openxmlformats.org/presentationml/2006/main">
+  <p:cSld>
+    <p:spTree>
+      <p:nvGrpSpPr>
         <p:cNvPr id="1" name="Shape 355"/>
         <p:cNvGrpSpPr/>
         <p:nvPr/>
@@ -30363,7 +31250,7 @@
               <a:buNone/>
             </a:pPr>
             <a:r>
-              <a:rPr lang="en-AU" sz="2000">
+              <a:rPr lang="en-AU" sz="2000" dirty="0">
                 <a:solidFill>
                   <a:schemeClr val="dk1"/>
                 </a:solidFill>
@@ -30374,25 +31261,19 @@
               </a:rPr>
               <a:t>Acceptance Criteria</a:t>
             </a:r>
-            <a:endParaRPr/>
-          </a:p>
-          <a:p>
-            <a:pPr marL="179387" lvl="0" indent="-153987" rtl="0">
-              <a:spcBef>
-                <a:spcPts val="0"/>
-              </a:spcBef>
-              <a:spcAft>
-                <a:spcPts val="0"/>
-              </a:spcAft>
+            <a:endParaRPr dirty="0"/>
+          </a:p>
+          <a:p>
+            <a:pPr marL="179387" lvl="0" indent="-141287">
               <a:buClr>
                 <a:schemeClr val="dk1"/>
               </a:buClr>
-              <a:buSzPts val="1600"/>
+              <a:buSzPts val="1400"/>
               <a:buFont typeface="Arial"/>
               <a:buChar char="•"/>
             </a:pPr>
             <a:r>
-              <a:rPr lang="en-AU" sz="1600">
+              <a:rPr lang="en-US" dirty="0">
                 <a:solidFill>
                   <a:schemeClr val="dk1"/>
                 </a:solidFill>
@@ -30401,35 +31282,20 @@
                 <a:cs typeface="Calibri"/>
                 <a:sym typeface="Calibri"/>
               </a:rPr>
-              <a:t>From the home page a “rental history” button is displayed</a:t>
+              <a:t>From the home page a “find cars” button is displayed</a:t>
             </a:r>
-            <a:endParaRPr sz="1600">
-              <a:solidFill>
-                <a:schemeClr val="dk1"/>
-              </a:solidFill>
-              <a:latin typeface="Calibri"/>
-              <a:ea typeface="Calibri"/>
-              <a:cs typeface="Calibri"/>
-              <a:sym typeface="Calibri"/>
-            </a:endParaRPr>
-          </a:p>
-          <a:p>
-            <a:pPr marL="179387" lvl="0" indent="-153987" rtl="0">
-              <a:spcBef>
-                <a:spcPts val="0"/>
-              </a:spcBef>
-              <a:spcAft>
-                <a:spcPts val="0"/>
-              </a:spcAft>
+          </a:p>
+          <a:p>
+            <a:pPr marL="179387" lvl="0" indent="-141287">
               <a:buClr>
                 <a:schemeClr val="dk1"/>
               </a:buClr>
-              <a:buSzPts val="1600"/>
+              <a:buSzPts val="1400"/>
               <a:buFont typeface="Arial"/>
               <a:buChar char="•"/>
             </a:pPr>
             <a:r>
-              <a:rPr lang="en-AU" sz="1600">
+              <a:rPr lang="en-US" dirty="0">
                 <a:solidFill>
                   <a:schemeClr val="dk1"/>
                 </a:solidFill>
@@ -30438,35 +31304,42 @@
                 <a:cs typeface="Calibri"/>
                 <a:sym typeface="Calibri"/>
               </a:rPr>
-              <a:t>Clicking the rental history button redirects the user to the “rental history” page where a “store activity” button is displayed</a:t>
+              <a:t>Clicking the find cars button redirects the user to the “find cars” page where two boxes to enter a minimum and maximum price are displayed with a search button</a:t>
             </a:r>
-            <a:endParaRPr sz="1600">
-              <a:solidFill>
-                <a:schemeClr val="dk1"/>
-              </a:solidFill>
-              <a:latin typeface="Calibri"/>
-              <a:ea typeface="Calibri"/>
-              <a:cs typeface="Calibri"/>
-              <a:sym typeface="Calibri"/>
-            </a:endParaRPr>
-          </a:p>
-          <a:p>
-            <a:pPr marL="179387" lvl="0" indent="-153987" rtl="0">
-              <a:spcBef>
-                <a:spcPts val="0"/>
-              </a:spcBef>
-              <a:spcAft>
-                <a:spcPts val="0"/>
-              </a:spcAft>
+          </a:p>
+          <a:p>
+            <a:pPr marL="179387" lvl="0" indent="-141287">
               <a:buClr>
                 <a:schemeClr val="dk1"/>
               </a:buClr>
-              <a:buSzPts val="1600"/>
+              <a:buSzPts val="1400"/>
+              <a:buFont typeface="Calibri"/>
+              <a:buChar char="•"/>
+            </a:pPr>
+            <a:r>
+              <a:rPr lang="en-US" dirty="0">
+                <a:solidFill>
+                  <a:schemeClr val="dk1"/>
+                </a:solidFill>
+                <a:latin typeface="Calibri"/>
+                <a:ea typeface="Calibri"/>
+                <a:cs typeface="Calibri"/>
+                <a:sym typeface="Calibri"/>
+              </a:rPr>
+              <a:t>Attempting to click the button with empty boxes or a minimum less than maximum alerts the user</a:t>
+            </a:r>
+          </a:p>
+          <a:p>
+            <a:pPr marL="179387" lvl="0" indent="-141287">
+              <a:buClr>
+                <a:schemeClr val="dk1"/>
+              </a:buClr>
+              <a:buSzPts val="1400"/>
               <a:buFont typeface="Arial"/>
               <a:buChar char="•"/>
             </a:pPr>
             <a:r>
-              <a:rPr lang="en-AU" sz="1600">
+              <a:rPr lang="en-US" dirty="0">
                 <a:solidFill>
                   <a:schemeClr val="dk1"/>
                 </a:solidFill>
@@ -30475,17 +31348,8 @@
                 <a:cs typeface="Calibri"/>
                 <a:sym typeface="Calibri"/>
               </a:rPr>
-              <a:t>Clicking the button displays a new table of stores and how many cars have been checked in and out of each</a:t>
+              <a:t>Correctly clicking the button displays a new table of car details that have the price within the range specified (based on the previously displayed information)</a:t>
             </a:r>
-            <a:endParaRPr sz="2000">
-              <a:solidFill>
-                <a:schemeClr val="dk1"/>
-              </a:solidFill>
-              <a:latin typeface="Calibri"/>
-              <a:ea typeface="Calibri"/>
-              <a:cs typeface="Calibri"/>
-              <a:sym typeface="Calibri"/>
-            </a:endParaRPr>
           </a:p>
         </p:txBody>
       </p:sp>
@@ -30600,7 +31464,7 @@
               <a:buNone/>
             </a:pPr>
             <a:r>
-              <a:rPr lang="en-AU" sz="2000">
+              <a:rPr lang="en-AU" sz="2000" dirty="0">
                 <a:solidFill>
                   <a:schemeClr val="dk1"/>
                 </a:solidFill>
@@ -30609,9 +31473,9 @@
                 <a:cs typeface="Calibri"/>
                 <a:sym typeface="Calibri"/>
               </a:rPr>
-              <a:t>Should</a:t>
+              <a:t>Could</a:t>
             </a:r>
-            <a:endParaRPr sz="2000">
+            <a:endParaRPr sz="2000" dirty="0">
               <a:solidFill>
                 <a:schemeClr val="dk1"/>
               </a:solidFill>
@@ -30681,590 +31545,6 @@
           </a:p>
           <a:p>
             <a:pPr marL="179387" marR="0" lvl="0" indent="-179387" algn="l" rtl="0">
-              <a:spcBef>
-                <a:spcPts val="0"/>
-              </a:spcBef>
-              <a:spcAft>
-                <a:spcPts val="0"/>
-              </a:spcAft>
-              <a:buClr>
-                <a:schemeClr val="dk1"/>
-              </a:buClr>
-              <a:buSzPts val="2000"/>
-              <a:buFont typeface="Arial"/>
-              <a:buChar char="•"/>
-            </a:pPr>
-            <a:r>
-              <a:rPr lang="en-AU" sz="2000">
-                <a:solidFill>
-                  <a:schemeClr val="dk1"/>
-                </a:solidFill>
-                <a:latin typeface="Calibri"/>
-                <a:ea typeface="Calibri"/>
-                <a:cs typeface="Calibri"/>
-                <a:sym typeface="Calibri"/>
-              </a:rPr>
-              <a:t> </a:t>
-            </a:r>
-            <a:endParaRPr sz="2000">
-              <a:solidFill>
-                <a:schemeClr val="dk1"/>
-              </a:solidFill>
-              <a:latin typeface="Calibri"/>
-              <a:ea typeface="Calibri"/>
-              <a:cs typeface="Calibri"/>
-              <a:sym typeface="Calibri"/>
-            </a:endParaRPr>
-          </a:p>
-        </p:txBody>
-      </p:sp>
-    </p:spTree>
-  </p:cSld>
-  <p:clrMapOvr>
-    <a:masterClrMapping/>
-  </p:clrMapOvr>
-</p:sld>
-</file>
-
-<file path=ppt/slides/slide29.xml><?xml version="1.0" encoding="utf-8"?>
-<p:sld xmlns:a="http://schemas.openxmlformats.org/drawingml/2006/main" xmlns:r="http://schemas.openxmlformats.org/officeDocument/2006/relationships" xmlns:p="http://schemas.openxmlformats.org/presentationml/2006/main">
-  <p:cSld>
-    <p:spTree>
-      <p:nvGrpSpPr>
-        <p:cNvPr id="1" name="Shape 366"/>
-        <p:cNvGrpSpPr/>
-        <p:nvPr/>
-      </p:nvGrpSpPr>
-      <p:grpSpPr>
-        <a:xfrm>
-          <a:off x="0" y="0"/>
-          <a:ext cx="0" cy="0"/>
-          <a:chOff x="0" y="0"/>
-          <a:chExt cx="0" cy="0"/>
-        </a:xfrm>
-      </p:grpSpPr>
-      <p:sp>
-        <p:nvSpPr>
-          <p:cNvPr id="367" name="Google Shape;367;p39"/>
-          <p:cNvSpPr/>
-          <p:nvPr/>
-        </p:nvSpPr>
-        <p:spPr>
-          <a:xfrm>
-            <a:off x="39153" y="109410"/>
-            <a:ext cx="720000" cy="540000"/>
-          </a:xfrm>
-          <a:prstGeom prst="rect">
-            <a:avLst/>
-          </a:prstGeom>
-          <a:solidFill>
-            <a:srgbClr val="B7CCE4"/>
-          </a:solidFill>
-          <a:ln w="25400" cap="flat" cmpd="sng">
-            <a:solidFill>
-              <a:srgbClr val="244061"/>
-            </a:solidFill>
-            <a:prstDash val="solid"/>
-            <a:round/>
-            <a:headEnd type="none" w="sm" len="sm"/>
-            <a:tailEnd type="none" w="sm" len="sm"/>
-          </a:ln>
-        </p:spPr>
-        <p:txBody>
-          <a:bodyPr spcFirstLastPara="1" wrap="square" lIns="0" tIns="45700" rIns="0" bIns="45700" anchor="ctr" anchorCtr="0">
-            <a:noAutofit/>
-          </a:bodyPr>
-          <a:lstStyle/>
-          <a:p>
-            <a:pPr marL="0" marR="0" lvl="0" indent="0" algn="ctr" rtl="0">
-              <a:spcBef>
-                <a:spcPts val="0"/>
-              </a:spcBef>
-              <a:spcAft>
-                <a:spcPts val="0"/>
-              </a:spcAft>
-              <a:buNone/>
-            </a:pPr>
-            <a:r>
-              <a:rPr lang="en-AU" sz="2000">
-                <a:solidFill>
-                  <a:schemeClr val="dk1"/>
-                </a:solidFill>
-                <a:latin typeface="Calibri"/>
-                <a:ea typeface="Calibri"/>
-                <a:cs typeface="Calibri"/>
-                <a:sym typeface="Calibri"/>
-              </a:rPr>
-              <a:t>29</a:t>
-            </a:r>
-            <a:endParaRPr sz="2000">
-              <a:solidFill>
-                <a:schemeClr val="dk1"/>
-              </a:solidFill>
-              <a:latin typeface="Calibri"/>
-              <a:ea typeface="Calibri"/>
-              <a:cs typeface="Calibri"/>
-              <a:sym typeface="Calibri"/>
-            </a:endParaRPr>
-          </a:p>
-        </p:txBody>
-      </p:sp>
-      <p:sp>
-        <p:nvSpPr>
-          <p:cNvPr id="368" name="Google Shape;368;p39"/>
-          <p:cNvSpPr/>
-          <p:nvPr/>
-        </p:nvSpPr>
-        <p:spPr>
-          <a:xfrm>
-            <a:off x="831153" y="109410"/>
-            <a:ext cx="7380000" cy="540000"/>
-          </a:xfrm>
-          <a:prstGeom prst="rect">
-            <a:avLst/>
-          </a:prstGeom>
-          <a:solidFill>
-            <a:schemeClr val="accent1"/>
-          </a:solidFill>
-          <a:ln w="25400" cap="flat" cmpd="sng">
-            <a:solidFill>
-              <a:srgbClr val="244061"/>
-            </a:solidFill>
-            <a:prstDash val="solid"/>
-            <a:round/>
-            <a:headEnd type="none" w="sm" len="sm"/>
-            <a:tailEnd type="none" w="sm" len="sm"/>
-          </a:ln>
-        </p:spPr>
-        <p:txBody>
-          <a:bodyPr spcFirstLastPara="1" wrap="square" lIns="91425" tIns="45700" rIns="91425" bIns="45700" anchor="ctr" anchorCtr="0">
-            <a:noAutofit/>
-          </a:bodyPr>
-          <a:lstStyle/>
-          <a:p>
-            <a:pPr marL="0" marR="0" lvl="0" indent="0" algn="ctr" rtl="0">
-              <a:spcBef>
-                <a:spcPts val="0"/>
-              </a:spcBef>
-              <a:spcAft>
-                <a:spcPts val="0"/>
-              </a:spcAft>
-              <a:buNone/>
-            </a:pPr>
-            <a:r>
-              <a:rPr lang="en-AU" sz="2800">
-                <a:solidFill>
-                  <a:schemeClr val="lt1"/>
-                </a:solidFill>
-                <a:latin typeface="Calibri"/>
-                <a:ea typeface="Calibri"/>
-                <a:cs typeface="Calibri"/>
-                <a:sym typeface="Calibri"/>
-              </a:rPr>
-              <a:t>View Customers</a:t>
-            </a:r>
-            <a:endParaRPr sz="2800">
-              <a:solidFill>
-                <a:schemeClr val="lt1"/>
-              </a:solidFill>
-              <a:latin typeface="Calibri"/>
-              <a:ea typeface="Calibri"/>
-              <a:cs typeface="Calibri"/>
-              <a:sym typeface="Calibri"/>
-            </a:endParaRPr>
-          </a:p>
-        </p:txBody>
-      </p:sp>
-      <p:sp>
-        <p:nvSpPr>
-          <p:cNvPr id="369" name="Google Shape;369;p39"/>
-          <p:cNvSpPr/>
-          <p:nvPr/>
-        </p:nvSpPr>
-        <p:spPr>
-          <a:xfrm>
-            <a:off x="39153" y="822470"/>
-            <a:ext cx="9828000" cy="2340000"/>
-          </a:xfrm>
-          <a:prstGeom prst="rect">
-            <a:avLst/>
-          </a:prstGeom>
-          <a:solidFill>
-            <a:srgbClr val="C5D8F1"/>
-          </a:solidFill>
-          <a:ln w="25400" cap="flat" cmpd="sng">
-            <a:solidFill>
-              <a:srgbClr val="244061"/>
-            </a:solidFill>
-            <a:prstDash val="solid"/>
-            <a:round/>
-            <a:headEnd type="none" w="sm" len="sm"/>
-            <a:tailEnd type="none" w="sm" len="sm"/>
-          </a:ln>
-        </p:spPr>
-        <p:txBody>
-          <a:bodyPr spcFirstLastPara="1" wrap="square" lIns="91425" tIns="45700" rIns="91425" bIns="45700" anchor="t" anchorCtr="0">
-            <a:noAutofit/>
-          </a:bodyPr>
-          <a:lstStyle/>
-          <a:p>
-            <a:pPr marL="0" marR="0" lvl="0" indent="0" algn="l" rtl="0">
-              <a:spcBef>
-                <a:spcPts val="0"/>
-              </a:spcBef>
-              <a:spcAft>
-                <a:spcPts val="0"/>
-              </a:spcAft>
-              <a:buNone/>
-            </a:pPr>
-            <a:r>
-              <a:rPr lang="en-AU" sz="2400">
-                <a:solidFill>
-                  <a:schemeClr val="dk1"/>
-                </a:solidFill>
-                <a:latin typeface="Calibri"/>
-                <a:ea typeface="Calibri"/>
-                <a:cs typeface="Calibri"/>
-                <a:sym typeface="Calibri"/>
-              </a:rPr>
-              <a:t>As a staff member, I want to view a customer’s details so that I can recommend an appropriate car.</a:t>
-            </a:r>
-            <a:endParaRPr sz="2400">
-              <a:solidFill>
-                <a:schemeClr val="dk1"/>
-              </a:solidFill>
-              <a:latin typeface="Calibri"/>
-              <a:ea typeface="Calibri"/>
-              <a:cs typeface="Calibri"/>
-              <a:sym typeface="Calibri"/>
-            </a:endParaRPr>
-          </a:p>
-        </p:txBody>
-      </p:sp>
-      <p:sp>
-        <p:nvSpPr>
-          <p:cNvPr id="370" name="Google Shape;370;p39"/>
-          <p:cNvSpPr/>
-          <p:nvPr/>
-        </p:nvSpPr>
-        <p:spPr>
-          <a:xfrm>
-            <a:off x="39153" y="3335530"/>
-            <a:ext cx="9828000" cy="1620000"/>
-          </a:xfrm>
-          <a:prstGeom prst="rect">
-            <a:avLst/>
-          </a:prstGeom>
-          <a:solidFill>
-            <a:srgbClr val="DAE5F1"/>
-          </a:solidFill>
-          <a:ln w="25400" cap="flat" cmpd="sng">
-            <a:solidFill>
-              <a:srgbClr val="244061"/>
-            </a:solidFill>
-            <a:prstDash val="solid"/>
-            <a:round/>
-            <a:headEnd type="none" w="sm" len="sm"/>
-            <a:tailEnd type="none" w="sm" len="sm"/>
-          </a:ln>
-        </p:spPr>
-        <p:txBody>
-          <a:bodyPr spcFirstLastPara="1" wrap="square" lIns="91425" tIns="36000" rIns="91425" bIns="45700" anchor="t" anchorCtr="0">
-            <a:noAutofit/>
-          </a:bodyPr>
-          <a:lstStyle/>
-          <a:p>
-            <a:pPr marL="0" marR="0" lvl="0" indent="0" algn="l" rtl="0">
-              <a:spcBef>
-                <a:spcPts val="0"/>
-              </a:spcBef>
-              <a:spcAft>
-                <a:spcPts val="0"/>
-              </a:spcAft>
-              <a:buNone/>
-            </a:pPr>
-            <a:r>
-              <a:rPr lang="en-AU" sz="2000">
-                <a:solidFill>
-                  <a:schemeClr val="dk1"/>
-                </a:solidFill>
-                <a:latin typeface="Calibri"/>
-                <a:ea typeface="Calibri"/>
-                <a:cs typeface="Calibri"/>
-                <a:sym typeface="Calibri"/>
-              </a:rPr>
-              <a:t>Acceptance Criteria</a:t>
-            </a:r>
-            <a:endParaRPr/>
-          </a:p>
-          <a:p>
-            <a:pPr marL="179387" marR="0" lvl="0" indent="-179387" algn="l" rtl="0">
-              <a:spcBef>
-                <a:spcPts val="0"/>
-              </a:spcBef>
-              <a:spcAft>
-                <a:spcPts val="0"/>
-              </a:spcAft>
-              <a:buClr>
-                <a:schemeClr val="dk1"/>
-              </a:buClr>
-              <a:buSzPts val="2000"/>
-              <a:buFont typeface="Calibri"/>
-              <a:buChar char="•"/>
-            </a:pPr>
-            <a:r>
-              <a:rPr lang="en-AU" sz="2000">
-                <a:solidFill>
-                  <a:schemeClr val="dk1"/>
-                </a:solidFill>
-                <a:latin typeface="Calibri"/>
-                <a:ea typeface="Calibri"/>
-                <a:cs typeface="Calibri"/>
-                <a:sym typeface="Calibri"/>
-              </a:rPr>
-              <a:t>On home page a “view customers” button is displayed</a:t>
-            </a:r>
-            <a:endParaRPr sz="2000">
-              <a:solidFill>
-                <a:schemeClr val="dk1"/>
-              </a:solidFill>
-              <a:latin typeface="Calibri"/>
-              <a:ea typeface="Calibri"/>
-              <a:cs typeface="Calibri"/>
-              <a:sym typeface="Calibri"/>
-            </a:endParaRPr>
-          </a:p>
-          <a:p>
-            <a:pPr marL="179388" marR="0" lvl="0" indent="-179388" algn="l" rtl="0">
-              <a:spcBef>
-                <a:spcPts val="0"/>
-              </a:spcBef>
-              <a:spcAft>
-                <a:spcPts val="0"/>
-              </a:spcAft>
-              <a:buClr>
-                <a:schemeClr val="dk1"/>
-              </a:buClr>
-              <a:buSzPts val="2000"/>
-              <a:buFont typeface="Calibri"/>
-              <a:buChar char="•"/>
-            </a:pPr>
-            <a:r>
-              <a:rPr lang="en-AU" sz="2000">
-                <a:solidFill>
-                  <a:schemeClr val="dk1"/>
-                </a:solidFill>
-                <a:latin typeface="Calibri"/>
-                <a:ea typeface="Calibri"/>
-                <a:cs typeface="Calibri"/>
-                <a:sym typeface="Calibri"/>
-              </a:rPr>
-              <a:t>Clicking button redirects user to page displaying customer information </a:t>
-            </a:r>
-            <a:endParaRPr sz="2000">
-              <a:solidFill>
-                <a:schemeClr val="dk1"/>
-              </a:solidFill>
-              <a:latin typeface="Calibri"/>
-              <a:ea typeface="Calibri"/>
-              <a:cs typeface="Calibri"/>
-              <a:sym typeface="Calibri"/>
-            </a:endParaRPr>
-          </a:p>
-        </p:txBody>
-      </p:sp>
-      <p:sp>
-        <p:nvSpPr>
-          <p:cNvPr id="371" name="Google Shape;371;p39"/>
-          <p:cNvSpPr/>
-          <p:nvPr/>
-        </p:nvSpPr>
-        <p:spPr>
-          <a:xfrm>
-            <a:off x="9147153" y="109410"/>
-            <a:ext cx="720000" cy="540000"/>
-          </a:xfrm>
-          <a:prstGeom prst="rect">
-            <a:avLst/>
-          </a:prstGeom>
-          <a:solidFill>
-            <a:srgbClr val="CCF0CD">
-              <a:alpha val="20000"/>
-            </a:srgbClr>
-          </a:solidFill>
-          <a:ln w="25400" cap="flat" cmpd="sng">
-            <a:solidFill>
-              <a:srgbClr val="244061"/>
-            </a:solidFill>
-            <a:prstDash val="solid"/>
-            <a:round/>
-            <a:headEnd type="none" w="sm" len="sm"/>
-            <a:tailEnd type="none" w="sm" len="sm"/>
-          </a:ln>
-        </p:spPr>
-        <p:txBody>
-          <a:bodyPr spcFirstLastPara="1" wrap="square" lIns="0" tIns="45700" rIns="0" bIns="45700" anchor="ctr" anchorCtr="0">
-            <a:noAutofit/>
-          </a:bodyPr>
-          <a:lstStyle/>
-          <a:p>
-            <a:pPr marL="0" marR="0" lvl="0" indent="0" algn="ctr" rtl="0">
-              <a:spcBef>
-                <a:spcPts val="0"/>
-              </a:spcBef>
-              <a:spcAft>
-                <a:spcPts val="0"/>
-              </a:spcAft>
-              <a:buNone/>
-            </a:pPr>
-            <a:r>
-              <a:rPr lang="en-AU" sz="2000">
-                <a:solidFill>
-                  <a:schemeClr val="dk1"/>
-                </a:solidFill>
-                <a:latin typeface="Calibri"/>
-                <a:ea typeface="Calibri"/>
-                <a:cs typeface="Calibri"/>
-                <a:sym typeface="Calibri"/>
-              </a:rPr>
-              <a:t>1</a:t>
-            </a:r>
-            <a:endParaRPr sz="2000">
-              <a:solidFill>
-                <a:schemeClr val="dk1"/>
-              </a:solidFill>
-              <a:latin typeface="Calibri"/>
-              <a:ea typeface="Calibri"/>
-              <a:cs typeface="Calibri"/>
-              <a:sym typeface="Calibri"/>
-            </a:endParaRPr>
-          </a:p>
-        </p:txBody>
-      </p:sp>
-      <p:sp>
-        <p:nvSpPr>
-          <p:cNvPr id="372" name="Google Shape;372;p39"/>
-          <p:cNvSpPr/>
-          <p:nvPr/>
-        </p:nvSpPr>
-        <p:spPr>
-          <a:xfrm>
-            <a:off x="8283153" y="109410"/>
-            <a:ext cx="792000" cy="540000"/>
-          </a:xfrm>
-          <a:prstGeom prst="rect">
-            <a:avLst/>
-          </a:prstGeom>
-          <a:solidFill>
-            <a:srgbClr val="E5DFEC"/>
-          </a:solidFill>
-          <a:ln w="25400" cap="flat" cmpd="sng">
-            <a:solidFill>
-              <a:srgbClr val="244061"/>
-            </a:solidFill>
-            <a:prstDash val="solid"/>
-            <a:round/>
-            <a:headEnd type="none" w="sm" len="sm"/>
-            <a:tailEnd type="none" w="sm" len="sm"/>
-          </a:ln>
-        </p:spPr>
-        <p:txBody>
-          <a:bodyPr spcFirstLastPara="1" wrap="square" lIns="0" tIns="45700" rIns="0" bIns="45700" anchor="ctr" anchorCtr="0">
-            <a:noAutofit/>
-          </a:bodyPr>
-          <a:lstStyle/>
-          <a:p>
-            <a:pPr marL="0" marR="0" lvl="0" indent="0" algn="ctr" rtl="0">
-              <a:spcBef>
-                <a:spcPts val="0"/>
-              </a:spcBef>
-              <a:spcAft>
-                <a:spcPts val="0"/>
-              </a:spcAft>
-              <a:buNone/>
-            </a:pPr>
-            <a:r>
-              <a:rPr lang="en-AU" sz="2000">
-                <a:solidFill>
-                  <a:schemeClr val="dk1"/>
-                </a:solidFill>
-                <a:latin typeface="Calibri"/>
-                <a:ea typeface="Calibri"/>
-                <a:cs typeface="Calibri"/>
-                <a:sym typeface="Calibri"/>
-              </a:rPr>
-              <a:t>Must</a:t>
-            </a:r>
-            <a:endParaRPr sz="2000">
-              <a:solidFill>
-                <a:schemeClr val="dk1"/>
-              </a:solidFill>
-              <a:latin typeface="Calibri"/>
-              <a:ea typeface="Calibri"/>
-              <a:cs typeface="Calibri"/>
-              <a:sym typeface="Calibri"/>
-            </a:endParaRPr>
-          </a:p>
-        </p:txBody>
-      </p:sp>
-      <p:sp>
-        <p:nvSpPr>
-          <p:cNvPr id="373" name="Google Shape;373;p39"/>
-          <p:cNvSpPr/>
-          <p:nvPr/>
-        </p:nvSpPr>
-        <p:spPr>
-          <a:xfrm>
-            <a:off x="39153" y="5128590"/>
-            <a:ext cx="9828000" cy="1620000"/>
-          </a:xfrm>
-          <a:prstGeom prst="rect">
-            <a:avLst/>
-          </a:prstGeom>
-          <a:solidFill>
-            <a:schemeClr val="lt1"/>
-          </a:solidFill>
-          <a:ln w="25400" cap="flat" cmpd="sng">
-            <a:solidFill>
-              <a:srgbClr val="244061"/>
-            </a:solidFill>
-            <a:prstDash val="solid"/>
-            <a:round/>
-            <a:headEnd type="none" w="sm" len="sm"/>
-            <a:tailEnd type="none" w="sm" len="sm"/>
-          </a:ln>
-        </p:spPr>
-        <p:txBody>
-          <a:bodyPr spcFirstLastPara="1" wrap="square" lIns="91425" tIns="36000" rIns="91425" bIns="45700" anchor="t" anchorCtr="0">
-            <a:noAutofit/>
-          </a:bodyPr>
-          <a:lstStyle/>
-          <a:p>
-            <a:pPr marL="0" marR="0" lvl="0" indent="0" algn="l" rtl="0">
-              <a:spcBef>
-                <a:spcPts val="0"/>
-              </a:spcBef>
-              <a:spcAft>
-                <a:spcPts val="0"/>
-              </a:spcAft>
-              <a:buNone/>
-            </a:pPr>
-            <a:r>
-              <a:rPr lang="en-AU" sz="2000">
-                <a:solidFill>
-                  <a:schemeClr val="dk1"/>
-                </a:solidFill>
-                <a:latin typeface="Calibri"/>
-                <a:ea typeface="Calibri"/>
-                <a:cs typeface="Calibri"/>
-                <a:sym typeface="Calibri"/>
-              </a:rPr>
-              <a:t>Notes</a:t>
-            </a:r>
-            <a:endParaRPr/>
-          </a:p>
-          <a:p>
-            <a:pPr marL="179388" marR="0" lvl="0" indent="-179388" algn="l" rtl="0">
               <a:spcBef>
                 <a:spcPts val="0"/>
               </a:spcBef>
@@ -31936,6 +32216,590 @@
   <p:cSld>
     <p:spTree>
       <p:nvGrpSpPr>
+        <p:cNvPr id="1" name="Shape 366"/>
+        <p:cNvGrpSpPr/>
+        <p:nvPr/>
+      </p:nvGrpSpPr>
+      <p:grpSpPr>
+        <a:xfrm>
+          <a:off x="0" y="0"/>
+          <a:ext cx="0" cy="0"/>
+          <a:chOff x="0" y="0"/>
+          <a:chExt cx="0" cy="0"/>
+        </a:xfrm>
+      </p:grpSpPr>
+      <p:sp>
+        <p:nvSpPr>
+          <p:cNvPr id="367" name="Google Shape;367;p39"/>
+          <p:cNvSpPr/>
+          <p:nvPr/>
+        </p:nvSpPr>
+        <p:spPr>
+          <a:xfrm>
+            <a:off x="39153" y="109410"/>
+            <a:ext cx="720000" cy="540000"/>
+          </a:xfrm>
+          <a:prstGeom prst="rect">
+            <a:avLst/>
+          </a:prstGeom>
+          <a:solidFill>
+            <a:srgbClr val="B7CCE4"/>
+          </a:solidFill>
+          <a:ln w="25400" cap="flat" cmpd="sng">
+            <a:solidFill>
+              <a:srgbClr val="244061"/>
+            </a:solidFill>
+            <a:prstDash val="solid"/>
+            <a:round/>
+            <a:headEnd type="none" w="sm" len="sm"/>
+            <a:tailEnd type="none" w="sm" len="sm"/>
+          </a:ln>
+        </p:spPr>
+        <p:txBody>
+          <a:bodyPr spcFirstLastPara="1" wrap="square" lIns="0" tIns="45700" rIns="0" bIns="45700" anchor="ctr" anchorCtr="0">
+            <a:noAutofit/>
+          </a:bodyPr>
+          <a:lstStyle/>
+          <a:p>
+            <a:pPr marL="0" marR="0" lvl="0" indent="0" algn="ctr" rtl="0">
+              <a:spcBef>
+                <a:spcPts val="0"/>
+              </a:spcBef>
+              <a:spcAft>
+                <a:spcPts val="0"/>
+              </a:spcAft>
+              <a:buNone/>
+            </a:pPr>
+            <a:r>
+              <a:rPr lang="en-AU" sz="2000">
+                <a:solidFill>
+                  <a:schemeClr val="dk1"/>
+                </a:solidFill>
+                <a:latin typeface="Calibri"/>
+                <a:ea typeface="Calibri"/>
+                <a:cs typeface="Calibri"/>
+                <a:sym typeface="Calibri"/>
+              </a:rPr>
+              <a:t>29</a:t>
+            </a:r>
+            <a:endParaRPr sz="2000">
+              <a:solidFill>
+                <a:schemeClr val="dk1"/>
+              </a:solidFill>
+              <a:latin typeface="Calibri"/>
+              <a:ea typeface="Calibri"/>
+              <a:cs typeface="Calibri"/>
+              <a:sym typeface="Calibri"/>
+            </a:endParaRPr>
+          </a:p>
+        </p:txBody>
+      </p:sp>
+      <p:sp>
+        <p:nvSpPr>
+          <p:cNvPr id="368" name="Google Shape;368;p39"/>
+          <p:cNvSpPr/>
+          <p:nvPr/>
+        </p:nvSpPr>
+        <p:spPr>
+          <a:xfrm>
+            <a:off x="831153" y="109410"/>
+            <a:ext cx="7380000" cy="540000"/>
+          </a:xfrm>
+          <a:prstGeom prst="rect">
+            <a:avLst/>
+          </a:prstGeom>
+          <a:solidFill>
+            <a:schemeClr val="accent1"/>
+          </a:solidFill>
+          <a:ln w="25400" cap="flat" cmpd="sng">
+            <a:solidFill>
+              <a:srgbClr val="244061"/>
+            </a:solidFill>
+            <a:prstDash val="solid"/>
+            <a:round/>
+            <a:headEnd type="none" w="sm" len="sm"/>
+            <a:tailEnd type="none" w="sm" len="sm"/>
+          </a:ln>
+        </p:spPr>
+        <p:txBody>
+          <a:bodyPr spcFirstLastPara="1" wrap="square" lIns="91425" tIns="45700" rIns="91425" bIns="45700" anchor="ctr" anchorCtr="0">
+            <a:noAutofit/>
+          </a:bodyPr>
+          <a:lstStyle/>
+          <a:p>
+            <a:pPr marL="0" marR="0" lvl="0" indent="0" algn="ctr" rtl="0">
+              <a:spcBef>
+                <a:spcPts val="0"/>
+              </a:spcBef>
+              <a:spcAft>
+                <a:spcPts val="0"/>
+              </a:spcAft>
+              <a:buNone/>
+            </a:pPr>
+            <a:r>
+              <a:rPr lang="en-AU" sz="2800">
+                <a:solidFill>
+                  <a:schemeClr val="lt1"/>
+                </a:solidFill>
+                <a:latin typeface="Calibri"/>
+                <a:ea typeface="Calibri"/>
+                <a:cs typeface="Calibri"/>
+                <a:sym typeface="Calibri"/>
+              </a:rPr>
+              <a:t>View Customers</a:t>
+            </a:r>
+            <a:endParaRPr sz="2800">
+              <a:solidFill>
+                <a:schemeClr val="lt1"/>
+              </a:solidFill>
+              <a:latin typeface="Calibri"/>
+              <a:ea typeface="Calibri"/>
+              <a:cs typeface="Calibri"/>
+              <a:sym typeface="Calibri"/>
+            </a:endParaRPr>
+          </a:p>
+        </p:txBody>
+      </p:sp>
+      <p:sp>
+        <p:nvSpPr>
+          <p:cNvPr id="369" name="Google Shape;369;p39"/>
+          <p:cNvSpPr/>
+          <p:nvPr/>
+        </p:nvSpPr>
+        <p:spPr>
+          <a:xfrm>
+            <a:off x="39153" y="822470"/>
+            <a:ext cx="9828000" cy="2340000"/>
+          </a:xfrm>
+          <a:prstGeom prst="rect">
+            <a:avLst/>
+          </a:prstGeom>
+          <a:solidFill>
+            <a:srgbClr val="C5D8F1"/>
+          </a:solidFill>
+          <a:ln w="25400" cap="flat" cmpd="sng">
+            <a:solidFill>
+              <a:srgbClr val="244061"/>
+            </a:solidFill>
+            <a:prstDash val="solid"/>
+            <a:round/>
+            <a:headEnd type="none" w="sm" len="sm"/>
+            <a:tailEnd type="none" w="sm" len="sm"/>
+          </a:ln>
+        </p:spPr>
+        <p:txBody>
+          <a:bodyPr spcFirstLastPara="1" wrap="square" lIns="91425" tIns="45700" rIns="91425" bIns="45700" anchor="t" anchorCtr="0">
+            <a:noAutofit/>
+          </a:bodyPr>
+          <a:lstStyle/>
+          <a:p>
+            <a:pPr marL="0" marR="0" lvl="0" indent="0" algn="l" rtl="0">
+              <a:spcBef>
+                <a:spcPts val="0"/>
+              </a:spcBef>
+              <a:spcAft>
+                <a:spcPts val="0"/>
+              </a:spcAft>
+              <a:buNone/>
+            </a:pPr>
+            <a:r>
+              <a:rPr lang="en-AU" sz="2400">
+                <a:solidFill>
+                  <a:schemeClr val="dk1"/>
+                </a:solidFill>
+                <a:latin typeface="Calibri"/>
+                <a:ea typeface="Calibri"/>
+                <a:cs typeface="Calibri"/>
+                <a:sym typeface="Calibri"/>
+              </a:rPr>
+              <a:t>As a staff member, I want to view a customer’s details so that I can recommend an appropriate car.</a:t>
+            </a:r>
+            <a:endParaRPr sz="2400">
+              <a:solidFill>
+                <a:schemeClr val="dk1"/>
+              </a:solidFill>
+              <a:latin typeface="Calibri"/>
+              <a:ea typeface="Calibri"/>
+              <a:cs typeface="Calibri"/>
+              <a:sym typeface="Calibri"/>
+            </a:endParaRPr>
+          </a:p>
+        </p:txBody>
+      </p:sp>
+      <p:sp>
+        <p:nvSpPr>
+          <p:cNvPr id="370" name="Google Shape;370;p39"/>
+          <p:cNvSpPr/>
+          <p:nvPr/>
+        </p:nvSpPr>
+        <p:spPr>
+          <a:xfrm>
+            <a:off x="39153" y="3335530"/>
+            <a:ext cx="9828000" cy="1620000"/>
+          </a:xfrm>
+          <a:prstGeom prst="rect">
+            <a:avLst/>
+          </a:prstGeom>
+          <a:solidFill>
+            <a:srgbClr val="DAE5F1"/>
+          </a:solidFill>
+          <a:ln w="25400" cap="flat" cmpd="sng">
+            <a:solidFill>
+              <a:srgbClr val="244061"/>
+            </a:solidFill>
+            <a:prstDash val="solid"/>
+            <a:round/>
+            <a:headEnd type="none" w="sm" len="sm"/>
+            <a:tailEnd type="none" w="sm" len="sm"/>
+          </a:ln>
+        </p:spPr>
+        <p:txBody>
+          <a:bodyPr spcFirstLastPara="1" wrap="square" lIns="91425" tIns="36000" rIns="91425" bIns="45700" anchor="t" anchorCtr="0">
+            <a:noAutofit/>
+          </a:bodyPr>
+          <a:lstStyle/>
+          <a:p>
+            <a:pPr marL="0" marR="0" lvl="0" indent="0" algn="l" rtl="0">
+              <a:spcBef>
+                <a:spcPts val="0"/>
+              </a:spcBef>
+              <a:spcAft>
+                <a:spcPts val="0"/>
+              </a:spcAft>
+              <a:buNone/>
+            </a:pPr>
+            <a:r>
+              <a:rPr lang="en-AU" sz="2000">
+                <a:solidFill>
+                  <a:schemeClr val="dk1"/>
+                </a:solidFill>
+                <a:latin typeface="Calibri"/>
+                <a:ea typeface="Calibri"/>
+                <a:cs typeface="Calibri"/>
+                <a:sym typeface="Calibri"/>
+              </a:rPr>
+              <a:t>Acceptance Criteria</a:t>
+            </a:r>
+            <a:endParaRPr/>
+          </a:p>
+          <a:p>
+            <a:pPr marL="179387" marR="0" lvl="0" indent="-179387" algn="l" rtl="0">
+              <a:spcBef>
+                <a:spcPts val="0"/>
+              </a:spcBef>
+              <a:spcAft>
+                <a:spcPts val="0"/>
+              </a:spcAft>
+              <a:buClr>
+                <a:schemeClr val="dk1"/>
+              </a:buClr>
+              <a:buSzPts val="2000"/>
+              <a:buFont typeface="Calibri"/>
+              <a:buChar char="•"/>
+            </a:pPr>
+            <a:r>
+              <a:rPr lang="en-AU" sz="2000">
+                <a:solidFill>
+                  <a:schemeClr val="dk1"/>
+                </a:solidFill>
+                <a:latin typeface="Calibri"/>
+                <a:ea typeface="Calibri"/>
+                <a:cs typeface="Calibri"/>
+                <a:sym typeface="Calibri"/>
+              </a:rPr>
+              <a:t>On home page a “view customers” button is displayed</a:t>
+            </a:r>
+            <a:endParaRPr sz="2000">
+              <a:solidFill>
+                <a:schemeClr val="dk1"/>
+              </a:solidFill>
+              <a:latin typeface="Calibri"/>
+              <a:ea typeface="Calibri"/>
+              <a:cs typeface="Calibri"/>
+              <a:sym typeface="Calibri"/>
+            </a:endParaRPr>
+          </a:p>
+          <a:p>
+            <a:pPr marL="179388" marR="0" lvl="0" indent="-179388" algn="l" rtl="0">
+              <a:spcBef>
+                <a:spcPts val="0"/>
+              </a:spcBef>
+              <a:spcAft>
+                <a:spcPts val="0"/>
+              </a:spcAft>
+              <a:buClr>
+                <a:schemeClr val="dk1"/>
+              </a:buClr>
+              <a:buSzPts val="2000"/>
+              <a:buFont typeface="Calibri"/>
+              <a:buChar char="•"/>
+            </a:pPr>
+            <a:r>
+              <a:rPr lang="en-AU" sz="2000">
+                <a:solidFill>
+                  <a:schemeClr val="dk1"/>
+                </a:solidFill>
+                <a:latin typeface="Calibri"/>
+                <a:ea typeface="Calibri"/>
+                <a:cs typeface="Calibri"/>
+                <a:sym typeface="Calibri"/>
+              </a:rPr>
+              <a:t>Clicking button redirects user to page displaying customer information </a:t>
+            </a:r>
+            <a:endParaRPr sz="2000">
+              <a:solidFill>
+                <a:schemeClr val="dk1"/>
+              </a:solidFill>
+              <a:latin typeface="Calibri"/>
+              <a:ea typeface="Calibri"/>
+              <a:cs typeface="Calibri"/>
+              <a:sym typeface="Calibri"/>
+            </a:endParaRPr>
+          </a:p>
+        </p:txBody>
+      </p:sp>
+      <p:sp>
+        <p:nvSpPr>
+          <p:cNvPr id="371" name="Google Shape;371;p39"/>
+          <p:cNvSpPr/>
+          <p:nvPr/>
+        </p:nvSpPr>
+        <p:spPr>
+          <a:xfrm>
+            <a:off x="9147153" y="109410"/>
+            <a:ext cx="720000" cy="540000"/>
+          </a:xfrm>
+          <a:prstGeom prst="rect">
+            <a:avLst/>
+          </a:prstGeom>
+          <a:solidFill>
+            <a:srgbClr val="CCF0CD">
+              <a:alpha val="20000"/>
+            </a:srgbClr>
+          </a:solidFill>
+          <a:ln w="25400" cap="flat" cmpd="sng">
+            <a:solidFill>
+              <a:srgbClr val="244061"/>
+            </a:solidFill>
+            <a:prstDash val="solid"/>
+            <a:round/>
+            <a:headEnd type="none" w="sm" len="sm"/>
+            <a:tailEnd type="none" w="sm" len="sm"/>
+          </a:ln>
+        </p:spPr>
+        <p:txBody>
+          <a:bodyPr spcFirstLastPara="1" wrap="square" lIns="0" tIns="45700" rIns="0" bIns="45700" anchor="ctr" anchorCtr="0">
+            <a:noAutofit/>
+          </a:bodyPr>
+          <a:lstStyle/>
+          <a:p>
+            <a:pPr marL="0" marR="0" lvl="0" indent="0" algn="ctr" rtl="0">
+              <a:spcBef>
+                <a:spcPts val="0"/>
+              </a:spcBef>
+              <a:spcAft>
+                <a:spcPts val="0"/>
+              </a:spcAft>
+              <a:buNone/>
+            </a:pPr>
+            <a:r>
+              <a:rPr lang="en-AU" sz="2000">
+                <a:solidFill>
+                  <a:schemeClr val="dk1"/>
+                </a:solidFill>
+                <a:latin typeface="Calibri"/>
+                <a:ea typeface="Calibri"/>
+                <a:cs typeface="Calibri"/>
+                <a:sym typeface="Calibri"/>
+              </a:rPr>
+              <a:t>1</a:t>
+            </a:r>
+            <a:endParaRPr sz="2000">
+              <a:solidFill>
+                <a:schemeClr val="dk1"/>
+              </a:solidFill>
+              <a:latin typeface="Calibri"/>
+              <a:ea typeface="Calibri"/>
+              <a:cs typeface="Calibri"/>
+              <a:sym typeface="Calibri"/>
+            </a:endParaRPr>
+          </a:p>
+        </p:txBody>
+      </p:sp>
+      <p:sp>
+        <p:nvSpPr>
+          <p:cNvPr id="372" name="Google Shape;372;p39"/>
+          <p:cNvSpPr/>
+          <p:nvPr/>
+        </p:nvSpPr>
+        <p:spPr>
+          <a:xfrm>
+            <a:off x="8283153" y="109410"/>
+            <a:ext cx="792000" cy="540000"/>
+          </a:xfrm>
+          <a:prstGeom prst="rect">
+            <a:avLst/>
+          </a:prstGeom>
+          <a:solidFill>
+            <a:srgbClr val="E5DFEC"/>
+          </a:solidFill>
+          <a:ln w="25400" cap="flat" cmpd="sng">
+            <a:solidFill>
+              <a:srgbClr val="244061"/>
+            </a:solidFill>
+            <a:prstDash val="solid"/>
+            <a:round/>
+            <a:headEnd type="none" w="sm" len="sm"/>
+            <a:tailEnd type="none" w="sm" len="sm"/>
+          </a:ln>
+        </p:spPr>
+        <p:txBody>
+          <a:bodyPr spcFirstLastPara="1" wrap="square" lIns="0" tIns="45700" rIns="0" bIns="45700" anchor="ctr" anchorCtr="0">
+            <a:noAutofit/>
+          </a:bodyPr>
+          <a:lstStyle/>
+          <a:p>
+            <a:pPr marL="0" marR="0" lvl="0" indent="0" algn="ctr" rtl="0">
+              <a:spcBef>
+                <a:spcPts val="0"/>
+              </a:spcBef>
+              <a:spcAft>
+                <a:spcPts val="0"/>
+              </a:spcAft>
+              <a:buNone/>
+            </a:pPr>
+            <a:r>
+              <a:rPr lang="en-AU" sz="2000">
+                <a:solidFill>
+                  <a:schemeClr val="dk1"/>
+                </a:solidFill>
+                <a:latin typeface="Calibri"/>
+                <a:ea typeface="Calibri"/>
+                <a:cs typeface="Calibri"/>
+                <a:sym typeface="Calibri"/>
+              </a:rPr>
+              <a:t>Must</a:t>
+            </a:r>
+            <a:endParaRPr sz="2000">
+              <a:solidFill>
+                <a:schemeClr val="dk1"/>
+              </a:solidFill>
+              <a:latin typeface="Calibri"/>
+              <a:ea typeface="Calibri"/>
+              <a:cs typeface="Calibri"/>
+              <a:sym typeface="Calibri"/>
+            </a:endParaRPr>
+          </a:p>
+        </p:txBody>
+      </p:sp>
+      <p:sp>
+        <p:nvSpPr>
+          <p:cNvPr id="373" name="Google Shape;373;p39"/>
+          <p:cNvSpPr/>
+          <p:nvPr/>
+        </p:nvSpPr>
+        <p:spPr>
+          <a:xfrm>
+            <a:off x="39153" y="5128590"/>
+            <a:ext cx="9828000" cy="1620000"/>
+          </a:xfrm>
+          <a:prstGeom prst="rect">
+            <a:avLst/>
+          </a:prstGeom>
+          <a:solidFill>
+            <a:schemeClr val="lt1"/>
+          </a:solidFill>
+          <a:ln w="25400" cap="flat" cmpd="sng">
+            <a:solidFill>
+              <a:srgbClr val="244061"/>
+            </a:solidFill>
+            <a:prstDash val="solid"/>
+            <a:round/>
+            <a:headEnd type="none" w="sm" len="sm"/>
+            <a:tailEnd type="none" w="sm" len="sm"/>
+          </a:ln>
+        </p:spPr>
+        <p:txBody>
+          <a:bodyPr spcFirstLastPara="1" wrap="square" lIns="91425" tIns="36000" rIns="91425" bIns="45700" anchor="t" anchorCtr="0">
+            <a:noAutofit/>
+          </a:bodyPr>
+          <a:lstStyle/>
+          <a:p>
+            <a:pPr marL="0" marR="0" lvl="0" indent="0" algn="l" rtl="0">
+              <a:spcBef>
+                <a:spcPts val="0"/>
+              </a:spcBef>
+              <a:spcAft>
+                <a:spcPts val="0"/>
+              </a:spcAft>
+              <a:buNone/>
+            </a:pPr>
+            <a:r>
+              <a:rPr lang="en-AU" sz="2000">
+                <a:solidFill>
+                  <a:schemeClr val="dk1"/>
+                </a:solidFill>
+                <a:latin typeface="Calibri"/>
+                <a:ea typeface="Calibri"/>
+                <a:cs typeface="Calibri"/>
+                <a:sym typeface="Calibri"/>
+              </a:rPr>
+              <a:t>Notes</a:t>
+            </a:r>
+            <a:endParaRPr/>
+          </a:p>
+          <a:p>
+            <a:pPr marL="179388" marR="0" lvl="0" indent="-179388" algn="l" rtl="0">
+              <a:spcBef>
+                <a:spcPts val="0"/>
+              </a:spcBef>
+              <a:spcAft>
+                <a:spcPts val="0"/>
+              </a:spcAft>
+              <a:buClr>
+                <a:schemeClr val="dk1"/>
+              </a:buClr>
+              <a:buSzPts val="2000"/>
+              <a:buFont typeface="Arial"/>
+              <a:buChar char="•"/>
+            </a:pPr>
+            <a:r>
+              <a:rPr lang="en-AU" sz="2000">
+                <a:solidFill>
+                  <a:schemeClr val="dk1"/>
+                </a:solidFill>
+                <a:latin typeface="Calibri"/>
+                <a:ea typeface="Calibri"/>
+                <a:cs typeface="Calibri"/>
+                <a:sym typeface="Calibri"/>
+              </a:rPr>
+              <a:t> </a:t>
+            </a:r>
+            <a:endParaRPr sz="2000">
+              <a:solidFill>
+                <a:schemeClr val="dk1"/>
+              </a:solidFill>
+              <a:latin typeface="Calibri"/>
+              <a:ea typeface="Calibri"/>
+              <a:cs typeface="Calibri"/>
+              <a:sym typeface="Calibri"/>
+            </a:endParaRPr>
+          </a:p>
+        </p:txBody>
+      </p:sp>
+    </p:spTree>
+  </p:cSld>
+  <p:clrMapOvr>
+    <a:masterClrMapping/>
+  </p:clrMapOvr>
+</p:sld>
+</file>
+
+<file path=ppt/slides/slide31.xml><?xml version="1.0" encoding="utf-8"?>
+<p:sld xmlns:a="http://schemas.openxmlformats.org/drawingml/2006/main" xmlns:r="http://schemas.openxmlformats.org/officeDocument/2006/relationships" xmlns:p="http://schemas.openxmlformats.org/presentationml/2006/main">
+  <p:cSld>
+    <p:spTree>
+      <p:nvGrpSpPr>
         <p:cNvPr id="1" name="Shape 377"/>
         <p:cNvGrpSpPr/>
         <p:nvPr/>
@@ -32552,7 +33416,7 @@
 </p:sld>
 </file>
 
-<file path=ppt/slides/slide31.xml><?xml version="1.0" encoding="utf-8"?>
+<file path=ppt/slides/slide32.xml><?xml version="1.0" encoding="utf-8"?>
 <p:sld xmlns:a="http://schemas.openxmlformats.org/drawingml/2006/main" xmlns:r="http://schemas.openxmlformats.org/officeDocument/2006/relationships" xmlns:p="http://schemas.openxmlformats.org/presentationml/2006/main">
   <p:cSld>
     <p:spTree>
@@ -33124,7 +33988,7 @@
 </p:sld>
 </file>
 
-<file path=ppt/slides/slide32.xml><?xml version="1.0" encoding="utf-8"?>
+<file path=ppt/slides/slide33.xml><?xml version="1.0" encoding="utf-8"?>
 <p:sld xmlns:a="http://schemas.openxmlformats.org/drawingml/2006/main" xmlns:r="http://schemas.openxmlformats.org/officeDocument/2006/relationships" xmlns:p="http://schemas.openxmlformats.org/presentationml/2006/main">
   <p:cSld>
     <p:spTree>
@@ -33382,7 +34246,7 @@
               <a:buNone/>
             </a:pPr>
             <a:r>
-              <a:rPr lang="en-AU" sz="2000">
+              <a:rPr lang="en-AU" sz="2000" dirty="0">
                 <a:solidFill>
                   <a:schemeClr val="dk1"/>
                 </a:solidFill>
@@ -33393,7 +34257,7 @@
               </a:rPr>
               <a:t>Acceptance Criteria</a:t>
             </a:r>
-            <a:endParaRPr sz="2000">
+            <a:endParaRPr sz="2000" dirty="0">
               <a:solidFill>
                 <a:schemeClr val="dk1"/>
               </a:solidFill>
@@ -33419,7 +34283,7 @@
               <a:buChar char="•"/>
             </a:pPr>
             <a:r>
-              <a:rPr lang="en-AU" sz="1600">
+              <a:rPr lang="en-AU" sz="1600" dirty="0">
                 <a:solidFill>
                   <a:schemeClr val="dk1"/>
                 </a:solidFill>
@@ -33430,7 +34294,7 @@
               </a:rPr>
               <a:t>From the home page a “view rental history” button is displayed</a:t>
             </a:r>
-            <a:endParaRPr sz="1600">
+            <a:endParaRPr sz="1600" dirty="0">
               <a:solidFill>
                 <a:schemeClr val="dk1"/>
               </a:solidFill>
@@ -33456,7 +34320,7 @@
               <a:buChar char="•"/>
             </a:pPr>
             <a:r>
-              <a:rPr lang="en-AU" sz="1600">
+              <a:rPr lang="en-AU" sz="1600" dirty="0">
                 <a:solidFill>
                   <a:schemeClr val="dk1"/>
                 </a:solidFill>
@@ -33467,7 +34331,7 @@
               </a:rPr>
               <a:t>Clicking the button redirects users to the rental history page where a “customer activity” button is displayed</a:t>
             </a:r>
-            <a:endParaRPr sz="1600">
+            <a:endParaRPr sz="1600" dirty="0">
               <a:solidFill>
                 <a:schemeClr val="dk1"/>
               </a:solidFill>
@@ -33493,7 +34357,7 @@
               <a:buChar char="•"/>
             </a:pPr>
             <a:r>
-              <a:rPr lang="en-AU" sz="1600">
+              <a:rPr lang="en-AU" sz="1600" dirty="0">
                 <a:solidFill>
                   <a:schemeClr val="dk1"/>
                 </a:solidFill>
@@ -33504,7 +34368,7 @@
               </a:rPr>
               <a:t>Clicking the button displays a list of the customers information sorted by most frequently appearing in the orders table</a:t>
             </a:r>
-            <a:endParaRPr sz="1600">
+            <a:endParaRPr sz="1600" dirty="0">
               <a:solidFill>
                 <a:schemeClr val="dk1"/>
               </a:solidFill>
@@ -33736,7 +34600,7 @@
 </p:sld>
 </file>
 
-<file path=ppt/slides/slide33.xml><?xml version="1.0" encoding="utf-8"?>
+<file path=ppt/slides/slide34.xml><?xml version="1.0" encoding="utf-8"?>
 <p:sld xmlns:a="http://schemas.openxmlformats.org/drawingml/2006/main" xmlns:r="http://schemas.openxmlformats.org/officeDocument/2006/relationships" xmlns:p="http://schemas.openxmlformats.org/presentationml/2006/main">
   <p:cSld>
     <p:spTree>
@@ -34350,6 +35214,1192 @@
         </p:txBody>
       </p:sp>
     </p:spTree>
+  </p:cSld>
+  <p:clrMapOvr>
+    <a:masterClrMapping/>
+  </p:clrMapOvr>
+</p:sld>
+</file>
+
+<file path=ppt/slides/slide35.xml><?xml version="1.0" encoding="utf-8"?>
+<p:sld xmlns:a="http://schemas.openxmlformats.org/drawingml/2006/main" xmlns:r="http://schemas.openxmlformats.org/officeDocument/2006/relationships" xmlns:p="http://schemas.openxmlformats.org/presentationml/2006/main">
+  <p:cSld>
+    <p:spTree>
+      <p:nvGrpSpPr>
+        <p:cNvPr id="1" name="Shape 410"/>
+        <p:cNvGrpSpPr/>
+        <p:nvPr/>
+      </p:nvGrpSpPr>
+      <p:grpSpPr>
+        <a:xfrm>
+          <a:off x="0" y="0"/>
+          <a:ext cx="0" cy="0"/>
+          <a:chOff x="0" y="0"/>
+          <a:chExt cx="0" cy="0"/>
+        </a:xfrm>
+      </p:grpSpPr>
+      <p:sp>
+        <p:nvSpPr>
+          <p:cNvPr id="411" name="Google Shape;411;p43"/>
+          <p:cNvSpPr/>
+          <p:nvPr/>
+        </p:nvSpPr>
+        <p:spPr>
+          <a:xfrm>
+            <a:off x="39153" y="109410"/>
+            <a:ext cx="720000" cy="540000"/>
+          </a:xfrm>
+          <a:prstGeom prst="rect">
+            <a:avLst/>
+          </a:prstGeom>
+          <a:solidFill>
+            <a:srgbClr val="B7CCE4"/>
+          </a:solidFill>
+          <a:ln w="25400" cap="flat" cmpd="sng">
+            <a:solidFill>
+              <a:srgbClr val="244061"/>
+            </a:solidFill>
+            <a:prstDash val="solid"/>
+            <a:round/>
+            <a:headEnd type="none" w="sm" len="sm"/>
+            <a:tailEnd type="none" w="sm" len="sm"/>
+          </a:ln>
+        </p:spPr>
+        <p:txBody>
+          <a:bodyPr spcFirstLastPara="1" wrap="square" lIns="0" tIns="45700" rIns="0" bIns="45700" anchor="ctr" anchorCtr="0">
+            <a:noAutofit/>
+          </a:bodyPr>
+          <a:lstStyle/>
+          <a:p>
+            <a:pPr marL="0" marR="0" lvl="0" indent="0" algn="ctr" rtl="0">
+              <a:spcBef>
+                <a:spcPts val="0"/>
+              </a:spcBef>
+              <a:spcAft>
+                <a:spcPts val="0"/>
+              </a:spcAft>
+              <a:buNone/>
+            </a:pPr>
+            <a:r>
+              <a:rPr lang="en-AU" sz="2000" dirty="0">
+                <a:solidFill>
+                  <a:schemeClr val="dk1"/>
+                </a:solidFill>
+                <a:latin typeface="Calibri"/>
+                <a:ea typeface="Calibri"/>
+                <a:cs typeface="Calibri"/>
+                <a:sym typeface="Calibri"/>
+              </a:rPr>
+              <a:t>34</a:t>
+            </a:r>
+            <a:endParaRPr sz="2000" dirty="0">
+              <a:solidFill>
+                <a:schemeClr val="dk1"/>
+              </a:solidFill>
+              <a:latin typeface="Calibri"/>
+              <a:ea typeface="Calibri"/>
+              <a:cs typeface="Calibri"/>
+              <a:sym typeface="Calibri"/>
+            </a:endParaRPr>
+          </a:p>
+        </p:txBody>
+      </p:sp>
+      <p:sp>
+        <p:nvSpPr>
+          <p:cNvPr id="412" name="Google Shape;412;p43"/>
+          <p:cNvSpPr/>
+          <p:nvPr/>
+        </p:nvSpPr>
+        <p:spPr>
+          <a:xfrm>
+            <a:off x="831153" y="109410"/>
+            <a:ext cx="7380000" cy="540000"/>
+          </a:xfrm>
+          <a:prstGeom prst="rect">
+            <a:avLst/>
+          </a:prstGeom>
+          <a:solidFill>
+            <a:schemeClr val="accent1"/>
+          </a:solidFill>
+          <a:ln w="25400" cap="flat" cmpd="sng">
+            <a:solidFill>
+              <a:srgbClr val="244061"/>
+            </a:solidFill>
+            <a:prstDash val="solid"/>
+            <a:round/>
+            <a:headEnd type="none" w="sm" len="sm"/>
+            <a:tailEnd type="none" w="sm" len="sm"/>
+          </a:ln>
+        </p:spPr>
+        <p:txBody>
+          <a:bodyPr spcFirstLastPara="1" wrap="square" lIns="91425" tIns="45700" rIns="91425" bIns="45700" anchor="ctr" anchorCtr="0">
+            <a:noAutofit/>
+          </a:bodyPr>
+          <a:lstStyle/>
+          <a:p>
+            <a:pPr marL="0" marR="0" lvl="0" indent="0" algn="ctr" rtl="0">
+              <a:spcBef>
+                <a:spcPts val="0"/>
+              </a:spcBef>
+              <a:spcAft>
+                <a:spcPts val="0"/>
+              </a:spcAft>
+              <a:buNone/>
+            </a:pPr>
+            <a:r>
+              <a:rPr lang="en-AU" sz="2800" dirty="0">
+                <a:solidFill>
+                  <a:schemeClr val="lt1"/>
+                </a:solidFill>
+                <a:latin typeface="Calibri"/>
+                <a:ea typeface="Calibri"/>
+                <a:cs typeface="Calibri"/>
+                <a:sym typeface="Calibri"/>
+              </a:rPr>
+              <a:t>Identify Negative Profits</a:t>
+            </a:r>
+            <a:endParaRPr sz="2800" dirty="0">
+              <a:solidFill>
+                <a:schemeClr val="lt1"/>
+              </a:solidFill>
+              <a:latin typeface="Calibri"/>
+              <a:ea typeface="Calibri"/>
+              <a:cs typeface="Calibri"/>
+              <a:sym typeface="Calibri"/>
+            </a:endParaRPr>
+          </a:p>
+        </p:txBody>
+      </p:sp>
+      <p:sp>
+        <p:nvSpPr>
+          <p:cNvPr id="413" name="Google Shape;413;p43"/>
+          <p:cNvSpPr/>
+          <p:nvPr/>
+        </p:nvSpPr>
+        <p:spPr>
+          <a:xfrm>
+            <a:off x="39153" y="822470"/>
+            <a:ext cx="9828000" cy="2340000"/>
+          </a:xfrm>
+          <a:prstGeom prst="rect">
+            <a:avLst/>
+          </a:prstGeom>
+          <a:solidFill>
+            <a:srgbClr val="C5D8F1"/>
+          </a:solidFill>
+          <a:ln w="25400" cap="flat" cmpd="sng">
+            <a:solidFill>
+              <a:srgbClr val="244061"/>
+            </a:solidFill>
+            <a:prstDash val="solid"/>
+            <a:round/>
+            <a:headEnd type="none" w="sm" len="sm"/>
+            <a:tailEnd type="none" w="sm" len="sm"/>
+          </a:ln>
+        </p:spPr>
+        <p:txBody>
+          <a:bodyPr spcFirstLastPara="1" wrap="square" lIns="91425" tIns="45700" rIns="91425" bIns="45700" anchor="t" anchorCtr="0">
+            <a:noAutofit/>
+          </a:bodyPr>
+          <a:lstStyle/>
+          <a:p>
+            <a:pPr marL="0" marR="0" lvl="0" indent="0" algn="l" rtl="0">
+              <a:spcBef>
+                <a:spcPts val="0"/>
+              </a:spcBef>
+              <a:spcAft>
+                <a:spcPts val="0"/>
+              </a:spcAft>
+              <a:buNone/>
+            </a:pPr>
+            <a:r>
+              <a:rPr lang="en-AU" sz="2400" dirty="0">
+                <a:solidFill>
+                  <a:schemeClr val="dk1"/>
+                </a:solidFill>
+                <a:latin typeface="Calibri"/>
+                <a:ea typeface="Calibri"/>
+                <a:cs typeface="Calibri"/>
+                <a:sym typeface="Calibri"/>
+              </a:rPr>
+              <a:t>As a board member, I want to see which months didn’t make profit from the previous month so I can analyse the causes and attempt to mitigate the situation</a:t>
+            </a:r>
+            <a:endParaRPr sz="2400" dirty="0">
+              <a:solidFill>
+                <a:schemeClr val="dk1"/>
+              </a:solidFill>
+              <a:latin typeface="Calibri"/>
+              <a:ea typeface="Calibri"/>
+              <a:cs typeface="Calibri"/>
+              <a:sym typeface="Calibri"/>
+            </a:endParaRPr>
+          </a:p>
+        </p:txBody>
+      </p:sp>
+      <p:sp>
+        <p:nvSpPr>
+          <p:cNvPr id="414" name="Google Shape;414;p43"/>
+          <p:cNvSpPr/>
+          <p:nvPr/>
+        </p:nvSpPr>
+        <p:spPr>
+          <a:xfrm>
+            <a:off x="39153" y="3335530"/>
+            <a:ext cx="9828000" cy="1620000"/>
+          </a:xfrm>
+          <a:prstGeom prst="rect">
+            <a:avLst/>
+          </a:prstGeom>
+          <a:solidFill>
+            <a:srgbClr val="DAE5F1"/>
+          </a:solidFill>
+          <a:ln w="25400" cap="flat" cmpd="sng">
+            <a:solidFill>
+              <a:srgbClr val="244061"/>
+            </a:solidFill>
+            <a:prstDash val="solid"/>
+            <a:round/>
+            <a:headEnd type="none" w="sm" len="sm"/>
+            <a:tailEnd type="none" w="sm" len="sm"/>
+          </a:ln>
+        </p:spPr>
+        <p:txBody>
+          <a:bodyPr spcFirstLastPara="1" wrap="square" lIns="91425" tIns="36000" rIns="91425" bIns="45700" anchor="t" anchorCtr="0">
+            <a:noAutofit/>
+          </a:bodyPr>
+          <a:lstStyle/>
+          <a:p>
+            <a:pPr marL="0" marR="0" lvl="0" indent="0" algn="l" rtl="0">
+              <a:spcBef>
+                <a:spcPts val="0"/>
+              </a:spcBef>
+              <a:spcAft>
+                <a:spcPts val="0"/>
+              </a:spcAft>
+              <a:buNone/>
+            </a:pPr>
+            <a:r>
+              <a:rPr lang="en-AU" sz="2000" dirty="0">
+                <a:solidFill>
+                  <a:schemeClr val="dk1"/>
+                </a:solidFill>
+                <a:latin typeface="Calibri"/>
+                <a:ea typeface="Calibri"/>
+                <a:cs typeface="Calibri"/>
+                <a:sym typeface="Calibri"/>
+              </a:rPr>
+              <a:t>Acceptance Criteria</a:t>
+            </a:r>
+            <a:endParaRPr dirty="0"/>
+          </a:p>
+          <a:p>
+            <a:pPr marL="179387" lvl="0" indent="-153987">
+              <a:buClr>
+                <a:schemeClr val="dk1"/>
+              </a:buClr>
+              <a:buSzPts val="1600"/>
+              <a:buFont typeface="Calibri"/>
+              <a:buChar char="•"/>
+            </a:pPr>
+            <a:r>
+              <a:rPr lang="en-US" sz="1600" dirty="0">
+                <a:solidFill>
+                  <a:schemeClr val="dk1"/>
+                </a:solidFill>
+                <a:latin typeface="Calibri"/>
+                <a:ea typeface="Calibri"/>
+                <a:cs typeface="Calibri"/>
+                <a:sym typeface="Calibri"/>
+              </a:rPr>
+              <a:t>From the home page a “view rental history” button is displayed</a:t>
+            </a:r>
+          </a:p>
+          <a:p>
+            <a:pPr marL="179387" lvl="0" indent="-153987">
+              <a:buClr>
+                <a:schemeClr val="dk1"/>
+              </a:buClr>
+              <a:buSzPts val="1600"/>
+              <a:buFont typeface="Calibri"/>
+              <a:buChar char="•"/>
+            </a:pPr>
+            <a:r>
+              <a:rPr lang="en-US" sz="1600" dirty="0">
+                <a:solidFill>
+                  <a:schemeClr val="dk1"/>
+                </a:solidFill>
+                <a:latin typeface="Calibri"/>
+                <a:ea typeface="Calibri"/>
+                <a:cs typeface="Calibri"/>
+                <a:sym typeface="Calibri"/>
+              </a:rPr>
+              <a:t>Clicking the button redirects users to the rental history page where a “negative profits” button is displayed</a:t>
+            </a:r>
+          </a:p>
+          <a:p>
+            <a:pPr marL="179388" lvl="0" indent="-153988">
+              <a:buClr>
+                <a:schemeClr val="dk1"/>
+              </a:buClr>
+              <a:buSzPts val="1600"/>
+              <a:buFont typeface="Calibri"/>
+              <a:buChar char="•"/>
+            </a:pPr>
+            <a:r>
+              <a:rPr lang="en-US" sz="1600" dirty="0">
+                <a:solidFill>
+                  <a:schemeClr val="dk1"/>
+                </a:solidFill>
+                <a:latin typeface="Calibri"/>
+                <a:ea typeface="Calibri"/>
+                <a:cs typeface="Calibri"/>
+                <a:sym typeface="Calibri"/>
+              </a:rPr>
+              <a:t>Clicking the button displays a list of the months and their profit they made from the previous month. The list is sorted by the magnitude of the profit and only negative profits are shown</a:t>
+            </a:r>
+          </a:p>
+        </p:txBody>
+      </p:sp>
+      <p:sp>
+        <p:nvSpPr>
+          <p:cNvPr id="415" name="Google Shape;415;p43"/>
+          <p:cNvSpPr/>
+          <p:nvPr/>
+        </p:nvSpPr>
+        <p:spPr>
+          <a:xfrm>
+            <a:off x="9147153" y="109410"/>
+            <a:ext cx="720000" cy="540000"/>
+          </a:xfrm>
+          <a:prstGeom prst="rect">
+            <a:avLst/>
+          </a:prstGeom>
+          <a:solidFill>
+            <a:srgbClr val="CCF0CD">
+              <a:alpha val="20000"/>
+            </a:srgbClr>
+          </a:solidFill>
+          <a:ln w="25400" cap="flat" cmpd="sng">
+            <a:solidFill>
+              <a:srgbClr val="244061"/>
+            </a:solidFill>
+            <a:prstDash val="solid"/>
+            <a:round/>
+            <a:headEnd type="none" w="sm" len="sm"/>
+            <a:tailEnd type="none" w="sm" len="sm"/>
+          </a:ln>
+        </p:spPr>
+        <p:txBody>
+          <a:bodyPr spcFirstLastPara="1" wrap="square" lIns="0" tIns="45700" rIns="0" bIns="45700" anchor="ctr" anchorCtr="0">
+            <a:noAutofit/>
+          </a:bodyPr>
+          <a:lstStyle/>
+          <a:p>
+            <a:pPr marL="0" marR="0" lvl="0" indent="0" algn="ctr" rtl="0">
+              <a:spcBef>
+                <a:spcPts val="0"/>
+              </a:spcBef>
+              <a:spcAft>
+                <a:spcPts val="0"/>
+              </a:spcAft>
+              <a:buNone/>
+            </a:pPr>
+            <a:r>
+              <a:rPr lang="en-US" sz="2000" dirty="0">
+                <a:solidFill>
+                  <a:schemeClr val="dk1"/>
+                </a:solidFill>
+                <a:latin typeface="Calibri"/>
+                <a:ea typeface="Calibri"/>
+                <a:cs typeface="Calibri"/>
+                <a:sym typeface="Calibri"/>
+              </a:rPr>
+              <a:t>4</a:t>
+            </a:r>
+            <a:endParaRPr sz="2000" dirty="0">
+              <a:solidFill>
+                <a:schemeClr val="dk1"/>
+              </a:solidFill>
+              <a:latin typeface="Calibri"/>
+              <a:ea typeface="Calibri"/>
+              <a:cs typeface="Calibri"/>
+              <a:sym typeface="Calibri"/>
+            </a:endParaRPr>
+          </a:p>
+        </p:txBody>
+      </p:sp>
+      <p:sp>
+        <p:nvSpPr>
+          <p:cNvPr id="416" name="Google Shape;416;p43"/>
+          <p:cNvSpPr/>
+          <p:nvPr/>
+        </p:nvSpPr>
+        <p:spPr>
+          <a:xfrm>
+            <a:off x="8283153" y="109410"/>
+            <a:ext cx="792000" cy="540000"/>
+          </a:xfrm>
+          <a:prstGeom prst="rect">
+            <a:avLst/>
+          </a:prstGeom>
+          <a:solidFill>
+            <a:srgbClr val="E5DFEC"/>
+          </a:solidFill>
+          <a:ln w="25400" cap="flat" cmpd="sng">
+            <a:solidFill>
+              <a:srgbClr val="244061"/>
+            </a:solidFill>
+            <a:prstDash val="solid"/>
+            <a:round/>
+            <a:headEnd type="none" w="sm" len="sm"/>
+            <a:tailEnd type="none" w="sm" len="sm"/>
+          </a:ln>
+        </p:spPr>
+        <p:txBody>
+          <a:bodyPr spcFirstLastPara="1" wrap="square" lIns="0" tIns="45700" rIns="0" bIns="45700" anchor="ctr" anchorCtr="0">
+            <a:noAutofit/>
+          </a:bodyPr>
+          <a:lstStyle/>
+          <a:p>
+            <a:pPr marL="0" marR="0" lvl="0" indent="0" algn="ctr" rtl="0">
+              <a:spcBef>
+                <a:spcPts val="0"/>
+              </a:spcBef>
+              <a:spcAft>
+                <a:spcPts val="0"/>
+              </a:spcAft>
+              <a:buNone/>
+            </a:pPr>
+            <a:r>
+              <a:rPr lang="en-AU" sz="2000">
+                <a:solidFill>
+                  <a:schemeClr val="dk1"/>
+                </a:solidFill>
+                <a:latin typeface="Calibri"/>
+                <a:ea typeface="Calibri"/>
+                <a:cs typeface="Calibri"/>
+                <a:sym typeface="Calibri"/>
+              </a:rPr>
+              <a:t>Could</a:t>
+            </a:r>
+            <a:endParaRPr sz="2000">
+              <a:solidFill>
+                <a:schemeClr val="dk1"/>
+              </a:solidFill>
+              <a:latin typeface="Calibri"/>
+              <a:ea typeface="Calibri"/>
+              <a:cs typeface="Calibri"/>
+              <a:sym typeface="Calibri"/>
+            </a:endParaRPr>
+          </a:p>
+        </p:txBody>
+      </p:sp>
+      <p:sp>
+        <p:nvSpPr>
+          <p:cNvPr id="417" name="Google Shape;417;p43"/>
+          <p:cNvSpPr/>
+          <p:nvPr/>
+        </p:nvSpPr>
+        <p:spPr>
+          <a:xfrm>
+            <a:off x="39153" y="5128590"/>
+            <a:ext cx="9828000" cy="1620000"/>
+          </a:xfrm>
+          <a:prstGeom prst="rect">
+            <a:avLst/>
+          </a:prstGeom>
+          <a:solidFill>
+            <a:schemeClr val="lt1"/>
+          </a:solidFill>
+          <a:ln w="25400" cap="flat" cmpd="sng">
+            <a:solidFill>
+              <a:srgbClr val="244061"/>
+            </a:solidFill>
+            <a:prstDash val="solid"/>
+            <a:round/>
+            <a:headEnd type="none" w="sm" len="sm"/>
+            <a:tailEnd type="none" w="sm" len="sm"/>
+          </a:ln>
+        </p:spPr>
+        <p:txBody>
+          <a:bodyPr spcFirstLastPara="1" wrap="square" lIns="91425" tIns="36000" rIns="91425" bIns="45700" anchor="t" anchorCtr="0">
+            <a:noAutofit/>
+          </a:bodyPr>
+          <a:lstStyle/>
+          <a:p>
+            <a:pPr marL="0" marR="0" lvl="0" indent="0" algn="l" rtl="0">
+              <a:spcBef>
+                <a:spcPts val="0"/>
+              </a:spcBef>
+              <a:spcAft>
+                <a:spcPts val="0"/>
+              </a:spcAft>
+              <a:buNone/>
+            </a:pPr>
+            <a:r>
+              <a:rPr lang="en-AU" sz="2000">
+                <a:solidFill>
+                  <a:schemeClr val="dk1"/>
+                </a:solidFill>
+                <a:latin typeface="Calibri"/>
+                <a:ea typeface="Calibri"/>
+                <a:cs typeface="Calibri"/>
+                <a:sym typeface="Calibri"/>
+              </a:rPr>
+              <a:t>Notes</a:t>
+            </a:r>
+            <a:endParaRPr/>
+          </a:p>
+          <a:p>
+            <a:pPr marL="179388" marR="0" lvl="0" indent="-179388" algn="l" rtl="0">
+              <a:spcBef>
+                <a:spcPts val="0"/>
+              </a:spcBef>
+              <a:spcAft>
+                <a:spcPts val="0"/>
+              </a:spcAft>
+              <a:buClr>
+                <a:schemeClr val="dk1"/>
+              </a:buClr>
+              <a:buSzPts val="2000"/>
+              <a:buFont typeface="Arial"/>
+              <a:buChar char="•"/>
+            </a:pPr>
+            <a:r>
+              <a:rPr lang="en-AU" sz="2000">
+                <a:solidFill>
+                  <a:schemeClr val="dk1"/>
+                </a:solidFill>
+                <a:latin typeface="Calibri"/>
+                <a:ea typeface="Calibri"/>
+                <a:cs typeface="Calibri"/>
+                <a:sym typeface="Calibri"/>
+              </a:rPr>
+              <a:t> </a:t>
+            </a:r>
+            <a:endParaRPr sz="2000">
+              <a:solidFill>
+                <a:schemeClr val="dk1"/>
+              </a:solidFill>
+              <a:latin typeface="Calibri"/>
+              <a:ea typeface="Calibri"/>
+              <a:cs typeface="Calibri"/>
+              <a:sym typeface="Calibri"/>
+            </a:endParaRPr>
+          </a:p>
+        </p:txBody>
+      </p:sp>
+    </p:spTree>
+    <p:extLst>
+      <p:ext uri="{BB962C8B-B14F-4D97-AF65-F5344CB8AC3E}">
+        <p14:creationId xmlns:p14="http://schemas.microsoft.com/office/powerpoint/2010/main" val="1641005239"/>
+      </p:ext>
+    </p:extLst>
+  </p:cSld>
+  <p:clrMapOvr>
+    <a:masterClrMapping/>
+  </p:clrMapOvr>
+</p:sld>
+</file>
+
+<file path=ppt/slides/slide36.xml><?xml version="1.0" encoding="utf-8"?>
+<p:sld xmlns:a="http://schemas.openxmlformats.org/drawingml/2006/main" xmlns:r="http://schemas.openxmlformats.org/officeDocument/2006/relationships" xmlns:p="http://schemas.openxmlformats.org/presentationml/2006/main">
+  <p:cSld>
+    <p:spTree>
+      <p:nvGrpSpPr>
+        <p:cNvPr id="1" name="Shape 410"/>
+        <p:cNvGrpSpPr/>
+        <p:nvPr/>
+      </p:nvGrpSpPr>
+      <p:grpSpPr>
+        <a:xfrm>
+          <a:off x="0" y="0"/>
+          <a:ext cx="0" cy="0"/>
+          <a:chOff x="0" y="0"/>
+          <a:chExt cx="0" cy="0"/>
+        </a:xfrm>
+      </p:grpSpPr>
+      <p:sp>
+        <p:nvSpPr>
+          <p:cNvPr id="411" name="Google Shape;411;p43"/>
+          <p:cNvSpPr/>
+          <p:nvPr/>
+        </p:nvSpPr>
+        <p:spPr>
+          <a:xfrm>
+            <a:off x="39153" y="109410"/>
+            <a:ext cx="720000" cy="540000"/>
+          </a:xfrm>
+          <a:prstGeom prst="rect">
+            <a:avLst/>
+          </a:prstGeom>
+          <a:solidFill>
+            <a:srgbClr val="B7CCE4"/>
+          </a:solidFill>
+          <a:ln w="25400" cap="flat" cmpd="sng">
+            <a:solidFill>
+              <a:srgbClr val="244061"/>
+            </a:solidFill>
+            <a:prstDash val="solid"/>
+            <a:round/>
+            <a:headEnd type="none" w="sm" len="sm"/>
+            <a:tailEnd type="none" w="sm" len="sm"/>
+          </a:ln>
+        </p:spPr>
+        <p:txBody>
+          <a:bodyPr spcFirstLastPara="1" wrap="square" lIns="0" tIns="45700" rIns="0" bIns="45700" anchor="ctr" anchorCtr="0">
+            <a:noAutofit/>
+          </a:bodyPr>
+          <a:lstStyle/>
+          <a:p>
+            <a:pPr marL="0" marR="0" lvl="0" indent="0" algn="ctr" rtl="0">
+              <a:spcBef>
+                <a:spcPts val="0"/>
+              </a:spcBef>
+              <a:spcAft>
+                <a:spcPts val="0"/>
+              </a:spcAft>
+              <a:buNone/>
+            </a:pPr>
+            <a:r>
+              <a:rPr lang="en-AU" sz="2000" dirty="0">
+                <a:solidFill>
+                  <a:schemeClr val="dk1"/>
+                </a:solidFill>
+                <a:latin typeface="Calibri"/>
+                <a:ea typeface="Calibri"/>
+                <a:cs typeface="Calibri"/>
+                <a:sym typeface="Calibri"/>
+              </a:rPr>
+              <a:t>35</a:t>
+            </a:r>
+            <a:endParaRPr sz="2000" dirty="0">
+              <a:solidFill>
+                <a:schemeClr val="dk1"/>
+              </a:solidFill>
+              <a:latin typeface="Calibri"/>
+              <a:ea typeface="Calibri"/>
+              <a:cs typeface="Calibri"/>
+              <a:sym typeface="Calibri"/>
+            </a:endParaRPr>
+          </a:p>
+        </p:txBody>
+      </p:sp>
+      <p:sp>
+        <p:nvSpPr>
+          <p:cNvPr id="412" name="Google Shape;412;p43"/>
+          <p:cNvSpPr/>
+          <p:nvPr/>
+        </p:nvSpPr>
+        <p:spPr>
+          <a:xfrm>
+            <a:off x="831153" y="109410"/>
+            <a:ext cx="7380000" cy="540000"/>
+          </a:xfrm>
+          <a:prstGeom prst="rect">
+            <a:avLst/>
+          </a:prstGeom>
+          <a:solidFill>
+            <a:schemeClr val="accent1"/>
+          </a:solidFill>
+          <a:ln w="25400" cap="flat" cmpd="sng">
+            <a:solidFill>
+              <a:srgbClr val="244061"/>
+            </a:solidFill>
+            <a:prstDash val="solid"/>
+            <a:round/>
+            <a:headEnd type="none" w="sm" len="sm"/>
+            <a:tailEnd type="none" w="sm" len="sm"/>
+          </a:ln>
+        </p:spPr>
+        <p:txBody>
+          <a:bodyPr spcFirstLastPara="1" wrap="square" lIns="91425" tIns="45700" rIns="91425" bIns="45700" anchor="ctr" anchorCtr="0">
+            <a:noAutofit/>
+          </a:bodyPr>
+          <a:lstStyle/>
+          <a:p>
+            <a:pPr marL="0" marR="0" lvl="0" indent="0" algn="ctr" rtl="0">
+              <a:spcBef>
+                <a:spcPts val="0"/>
+              </a:spcBef>
+              <a:spcAft>
+                <a:spcPts val="0"/>
+              </a:spcAft>
+              <a:buNone/>
+            </a:pPr>
+            <a:r>
+              <a:rPr lang="en-AU" sz="2800" dirty="0">
+                <a:solidFill>
+                  <a:schemeClr val="lt1"/>
+                </a:solidFill>
+                <a:latin typeface="Calibri"/>
+                <a:ea typeface="Calibri"/>
+                <a:cs typeface="Calibri"/>
+                <a:sym typeface="Calibri"/>
+              </a:rPr>
+              <a:t>Identify Positive Profits</a:t>
+            </a:r>
+            <a:endParaRPr sz="2800" dirty="0">
+              <a:solidFill>
+                <a:schemeClr val="lt1"/>
+              </a:solidFill>
+              <a:latin typeface="Calibri"/>
+              <a:ea typeface="Calibri"/>
+              <a:cs typeface="Calibri"/>
+              <a:sym typeface="Calibri"/>
+            </a:endParaRPr>
+          </a:p>
+        </p:txBody>
+      </p:sp>
+      <p:sp>
+        <p:nvSpPr>
+          <p:cNvPr id="413" name="Google Shape;413;p43"/>
+          <p:cNvSpPr/>
+          <p:nvPr/>
+        </p:nvSpPr>
+        <p:spPr>
+          <a:xfrm>
+            <a:off x="39153" y="822470"/>
+            <a:ext cx="9828000" cy="2340000"/>
+          </a:xfrm>
+          <a:prstGeom prst="rect">
+            <a:avLst/>
+          </a:prstGeom>
+          <a:solidFill>
+            <a:srgbClr val="C5D8F1"/>
+          </a:solidFill>
+          <a:ln w="25400" cap="flat" cmpd="sng">
+            <a:solidFill>
+              <a:srgbClr val="244061"/>
+            </a:solidFill>
+            <a:prstDash val="solid"/>
+            <a:round/>
+            <a:headEnd type="none" w="sm" len="sm"/>
+            <a:tailEnd type="none" w="sm" len="sm"/>
+          </a:ln>
+        </p:spPr>
+        <p:txBody>
+          <a:bodyPr spcFirstLastPara="1" wrap="square" lIns="91425" tIns="45700" rIns="91425" bIns="45700" anchor="t" anchorCtr="0">
+            <a:noAutofit/>
+          </a:bodyPr>
+          <a:lstStyle/>
+          <a:p>
+            <a:pPr marL="0" marR="0" lvl="0" indent="0" algn="l" rtl="0">
+              <a:spcBef>
+                <a:spcPts val="0"/>
+              </a:spcBef>
+              <a:spcAft>
+                <a:spcPts val="0"/>
+              </a:spcAft>
+              <a:buNone/>
+            </a:pPr>
+            <a:r>
+              <a:rPr lang="en-AU" sz="2400" dirty="0">
+                <a:solidFill>
+                  <a:schemeClr val="dk1"/>
+                </a:solidFill>
+                <a:latin typeface="Calibri"/>
+                <a:ea typeface="Calibri"/>
+                <a:cs typeface="Calibri"/>
+                <a:sym typeface="Calibri"/>
+              </a:rPr>
+              <a:t>As a board member, I want to see which months made the most profit from the previous month so I can analyse the causes and attempt to apply the causes to other months (to improve the profit of the company)</a:t>
+            </a:r>
+            <a:endParaRPr sz="2400" dirty="0">
+              <a:solidFill>
+                <a:schemeClr val="dk1"/>
+              </a:solidFill>
+              <a:latin typeface="Calibri"/>
+              <a:ea typeface="Calibri"/>
+              <a:cs typeface="Calibri"/>
+              <a:sym typeface="Calibri"/>
+            </a:endParaRPr>
+          </a:p>
+        </p:txBody>
+      </p:sp>
+      <p:sp>
+        <p:nvSpPr>
+          <p:cNvPr id="414" name="Google Shape;414;p43"/>
+          <p:cNvSpPr/>
+          <p:nvPr/>
+        </p:nvSpPr>
+        <p:spPr>
+          <a:xfrm>
+            <a:off x="39153" y="3335530"/>
+            <a:ext cx="9828000" cy="1620000"/>
+          </a:xfrm>
+          <a:prstGeom prst="rect">
+            <a:avLst/>
+          </a:prstGeom>
+          <a:solidFill>
+            <a:srgbClr val="DAE5F1"/>
+          </a:solidFill>
+          <a:ln w="25400" cap="flat" cmpd="sng">
+            <a:solidFill>
+              <a:srgbClr val="244061"/>
+            </a:solidFill>
+            <a:prstDash val="solid"/>
+            <a:round/>
+            <a:headEnd type="none" w="sm" len="sm"/>
+            <a:tailEnd type="none" w="sm" len="sm"/>
+          </a:ln>
+        </p:spPr>
+        <p:txBody>
+          <a:bodyPr spcFirstLastPara="1" wrap="square" lIns="91425" tIns="36000" rIns="91425" bIns="45700" anchor="t" anchorCtr="0">
+            <a:noAutofit/>
+          </a:bodyPr>
+          <a:lstStyle/>
+          <a:p>
+            <a:pPr marL="0" marR="0" lvl="0" indent="0" algn="l" rtl="0">
+              <a:spcBef>
+                <a:spcPts val="0"/>
+              </a:spcBef>
+              <a:spcAft>
+                <a:spcPts val="0"/>
+              </a:spcAft>
+              <a:buNone/>
+            </a:pPr>
+            <a:r>
+              <a:rPr lang="en-AU" sz="2000" dirty="0">
+                <a:solidFill>
+                  <a:schemeClr val="dk1"/>
+                </a:solidFill>
+                <a:latin typeface="Calibri"/>
+                <a:ea typeface="Calibri"/>
+                <a:cs typeface="Calibri"/>
+                <a:sym typeface="Calibri"/>
+              </a:rPr>
+              <a:t>Acceptance Criteria</a:t>
+            </a:r>
+            <a:endParaRPr dirty="0"/>
+          </a:p>
+          <a:p>
+            <a:pPr marL="179387" lvl="0" indent="-153987">
+              <a:buClr>
+                <a:schemeClr val="dk1"/>
+              </a:buClr>
+              <a:buSzPts val="1600"/>
+              <a:buFont typeface="Calibri"/>
+              <a:buChar char="•"/>
+            </a:pPr>
+            <a:r>
+              <a:rPr lang="en-US" sz="1600" dirty="0">
+                <a:solidFill>
+                  <a:schemeClr val="dk1"/>
+                </a:solidFill>
+                <a:latin typeface="Calibri"/>
+                <a:ea typeface="Calibri"/>
+                <a:cs typeface="Calibri"/>
+                <a:sym typeface="Calibri"/>
+              </a:rPr>
+              <a:t>From the home page a “view rental history” button is displayed</a:t>
+            </a:r>
+          </a:p>
+          <a:p>
+            <a:pPr marL="179387" lvl="0" indent="-153987">
+              <a:buClr>
+                <a:schemeClr val="dk1"/>
+              </a:buClr>
+              <a:buSzPts val="1600"/>
+              <a:buFont typeface="Calibri"/>
+              <a:buChar char="•"/>
+            </a:pPr>
+            <a:r>
+              <a:rPr lang="en-US" sz="1600" dirty="0">
+                <a:solidFill>
+                  <a:schemeClr val="dk1"/>
+                </a:solidFill>
+                <a:latin typeface="Calibri"/>
+                <a:ea typeface="Calibri"/>
+                <a:cs typeface="Calibri"/>
+                <a:sym typeface="Calibri"/>
+              </a:rPr>
+              <a:t>Clicking the button redirects users to the rental history page where a “positive profits” button is displayed</a:t>
+            </a:r>
+          </a:p>
+          <a:p>
+            <a:pPr marL="179388" lvl="0" indent="-153988">
+              <a:buClr>
+                <a:schemeClr val="dk1"/>
+              </a:buClr>
+              <a:buSzPts val="1600"/>
+              <a:buFont typeface="Calibri"/>
+              <a:buChar char="•"/>
+            </a:pPr>
+            <a:r>
+              <a:rPr lang="en-US" sz="1600" dirty="0">
+                <a:solidFill>
+                  <a:schemeClr val="dk1"/>
+                </a:solidFill>
+                <a:latin typeface="Calibri"/>
+                <a:ea typeface="Calibri"/>
+                <a:cs typeface="Calibri"/>
+                <a:sym typeface="Calibri"/>
+              </a:rPr>
+              <a:t>Clicking the button displays a list of the months and their profit they made from the previous month. The list is sorted by the magnitude of the profit and </a:t>
+            </a:r>
+            <a:r>
+              <a:rPr lang="en-US" sz="1600">
+                <a:solidFill>
+                  <a:schemeClr val="dk1"/>
+                </a:solidFill>
+                <a:latin typeface="Calibri"/>
+                <a:ea typeface="Calibri"/>
+                <a:cs typeface="Calibri"/>
+                <a:sym typeface="Calibri"/>
+              </a:rPr>
+              <a:t>only positive </a:t>
+            </a:r>
+            <a:r>
+              <a:rPr lang="en-US" sz="1600" dirty="0">
+                <a:solidFill>
+                  <a:schemeClr val="dk1"/>
+                </a:solidFill>
+                <a:latin typeface="Calibri"/>
+                <a:ea typeface="Calibri"/>
+                <a:cs typeface="Calibri"/>
+                <a:sym typeface="Calibri"/>
+              </a:rPr>
+              <a:t>profits are shown</a:t>
+            </a:r>
+          </a:p>
+        </p:txBody>
+      </p:sp>
+      <p:sp>
+        <p:nvSpPr>
+          <p:cNvPr id="415" name="Google Shape;415;p43"/>
+          <p:cNvSpPr/>
+          <p:nvPr/>
+        </p:nvSpPr>
+        <p:spPr>
+          <a:xfrm>
+            <a:off x="9147153" y="109410"/>
+            <a:ext cx="720000" cy="540000"/>
+          </a:xfrm>
+          <a:prstGeom prst="rect">
+            <a:avLst/>
+          </a:prstGeom>
+          <a:solidFill>
+            <a:srgbClr val="CCF0CD">
+              <a:alpha val="20000"/>
+            </a:srgbClr>
+          </a:solidFill>
+          <a:ln w="25400" cap="flat" cmpd="sng">
+            <a:solidFill>
+              <a:srgbClr val="244061"/>
+            </a:solidFill>
+            <a:prstDash val="solid"/>
+            <a:round/>
+            <a:headEnd type="none" w="sm" len="sm"/>
+            <a:tailEnd type="none" w="sm" len="sm"/>
+          </a:ln>
+        </p:spPr>
+        <p:txBody>
+          <a:bodyPr spcFirstLastPara="1" wrap="square" lIns="0" tIns="45700" rIns="0" bIns="45700" anchor="ctr" anchorCtr="0">
+            <a:noAutofit/>
+          </a:bodyPr>
+          <a:lstStyle/>
+          <a:p>
+            <a:pPr marL="0" marR="0" lvl="0" indent="0" algn="ctr" rtl="0">
+              <a:spcBef>
+                <a:spcPts val="0"/>
+              </a:spcBef>
+              <a:spcAft>
+                <a:spcPts val="0"/>
+              </a:spcAft>
+              <a:buNone/>
+            </a:pPr>
+            <a:r>
+              <a:rPr lang="en-US" sz="2000" dirty="0">
+                <a:solidFill>
+                  <a:schemeClr val="dk1"/>
+                </a:solidFill>
+                <a:latin typeface="Calibri"/>
+                <a:ea typeface="Calibri"/>
+                <a:cs typeface="Calibri"/>
+                <a:sym typeface="Calibri"/>
+              </a:rPr>
+              <a:t>4</a:t>
+            </a:r>
+            <a:endParaRPr sz="2000" dirty="0">
+              <a:solidFill>
+                <a:schemeClr val="dk1"/>
+              </a:solidFill>
+              <a:latin typeface="Calibri"/>
+              <a:ea typeface="Calibri"/>
+              <a:cs typeface="Calibri"/>
+              <a:sym typeface="Calibri"/>
+            </a:endParaRPr>
+          </a:p>
+        </p:txBody>
+      </p:sp>
+      <p:sp>
+        <p:nvSpPr>
+          <p:cNvPr id="416" name="Google Shape;416;p43"/>
+          <p:cNvSpPr/>
+          <p:nvPr/>
+        </p:nvSpPr>
+        <p:spPr>
+          <a:xfrm>
+            <a:off x="8283153" y="109410"/>
+            <a:ext cx="792000" cy="540000"/>
+          </a:xfrm>
+          <a:prstGeom prst="rect">
+            <a:avLst/>
+          </a:prstGeom>
+          <a:solidFill>
+            <a:srgbClr val="E5DFEC"/>
+          </a:solidFill>
+          <a:ln w="25400" cap="flat" cmpd="sng">
+            <a:solidFill>
+              <a:srgbClr val="244061"/>
+            </a:solidFill>
+            <a:prstDash val="solid"/>
+            <a:round/>
+            <a:headEnd type="none" w="sm" len="sm"/>
+            <a:tailEnd type="none" w="sm" len="sm"/>
+          </a:ln>
+        </p:spPr>
+        <p:txBody>
+          <a:bodyPr spcFirstLastPara="1" wrap="square" lIns="0" tIns="45700" rIns="0" bIns="45700" anchor="ctr" anchorCtr="0">
+            <a:noAutofit/>
+          </a:bodyPr>
+          <a:lstStyle/>
+          <a:p>
+            <a:pPr marL="0" marR="0" lvl="0" indent="0" algn="ctr" rtl="0">
+              <a:spcBef>
+                <a:spcPts val="0"/>
+              </a:spcBef>
+              <a:spcAft>
+                <a:spcPts val="0"/>
+              </a:spcAft>
+              <a:buNone/>
+            </a:pPr>
+            <a:r>
+              <a:rPr lang="en-AU" sz="2000">
+                <a:solidFill>
+                  <a:schemeClr val="dk1"/>
+                </a:solidFill>
+                <a:latin typeface="Calibri"/>
+                <a:ea typeface="Calibri"/>
+                <a:cs typeface="Calibri"/>
+                <a:sym typeface="Calibri"/>
+              </a:rPr>
+              <a:t>Could</a:t>
+            </a:r>
+            <a:endParaRPr sz="2000">
+              <a:solidFill>
+                <a:schemeClr val="dk1"/>
+              </a:solidFill>
+              <a:latin typeface="Calibri"/>
+              <a:ea typeface="Calibri"/>
+              <a:cs typeface="Calibri"/>
+              <a:sym typeface="Calibri"/>
+            </a:endParaRPr>
+          </a:p>
+        </p:txBody>
+      </p:sp>
+      <p:sp>
+        <p:nvSpPr>
+          <p:cNvPr id="417" name="Google Shape;417;p43"/>
+          <p:cNvSpPr/>
+          <p:nvPr/>
+        </p:nvSpPr>
+        <p:spPr>
+          <a:xfrm>
+            <a:off x="39153" y="5128590"/>
+            <a:ext cx="9828000" cy="1620000"/>
+          </a:xfrm>
+          <a:prstGeom prst="rect">
+            <a:avLst/>
+          </a:prstGeom>
+          <a:solidFill>
+            <a:schemeClr val="lt1"/>
+          </a:solidFill>
+          <a:ln w="25400" cap="flat" cmpd="sng">
+            <a:solidFill>
+              <a:srgbClr val="244061"/>
+            </a:solidFill>
+            <a:prstDash val="solid"/>
+            <a:round/>
+            <a:headEnd type="none" w="sm" len="sm"/>
+            <a:tailEnd type="none" w="sm" len="sm"/>
+          </a:ln>
+        </p:spPr>
+        <p:txBody>
+          <a:bodyPr spcFirstLastPara="1" wrap="square" lIns="91425" tIns="36000" rIns="91425" bIns="45700" anchor="t" anchorCtr="0">
+            <a:noAutofit/>
+          </a:bodyPr>
+          <a:lstStyle/>
+          <a:p>
+            <a:pPr marL="0" marR="0" lvl="0" indent="0" algn="l" rtl="0">
+              <a:spcBef>
+                <a:spcPts val="0"/>
+              </a:spcBef>
+              <a:spcAft>
+                <a:spcPts val="0"/>
+              </a:spcAft>
+              <a:buNone/>
+            </a:pPr>
+            <a:r>
+              <a:rPr lang="en-AU" sz="2000">
+                <a:solidFill>
+                  <a:schemeClr val="dk1"/>
+                </a:solidFill>
+                <a:latin typeface="Calibri"/>
+                <a:ea typeface="Calibri"/>
+                <a:cs typeface="Calibri"/>
+                <a:sym typeface="Calibri"/>
+              </a:rPr>
+              <a:t>Notes</a:t>
+            </a:r>
+            <a:endParaRPr/>
+          </a:p>
+          <a:p>
+            <a:pPr marL="179388" marR="0" lvl="0" indent="-179388" algn="l" rtl="0">
+              <a:spcBef>
+                <a:spcPts val="0"/>
+              </a:spcBef>
+              <a:spcAft>
+                <a:spcPts val="0"/>
+              </a:spcAft>
+              <a:buClr>
+                <a:schemeClr val="dk1"/>
+              </a:buClr>
+              <a:buSzPts val="2000"/>
+              <a:buFont typeface="Arial"/>
+              <a:buChar char="•"/>
+            </a:pPr>
+            <a:r>
+              <a:rPr lang="en-AU" sz="2000">
+                <a:solidFill>
+                  <a:schemeClr val="dk1"/>
+                </a:solidFill>
+                <a:latin typeface="Calibri"/>
+                <a:ea typeface="Calibri"/>
+                <a:cs typeface="Calibri"/>
+                <a:sym typeface="Calibri"/>
+              </a:rPr>
+              <a:t> </a:t>
+            </a:r>
+            <a:endParaRPr sz="2000">
+              <a:solidFill>
+                <a:schemeClr val="dk1"/>
+              </a:solidFill>
+              <a:latin typeface="Calibri"/>
+              <a:ea typeface="Calibri"/>
+              <a:cs typeface="Calibri"/>
+              <a:sym typeface="Calibri"/>
+            </a:endParaRPr>
+          </a:p>
+        </p:txBody>
+      </p:sp>
+    </p:spTree>
+    <p:extLst>
+      <p:ext uri="{BB962C8B-B14F-4D97-AF65-F5344CB8AC3E}">
+        <p14:creationId xmlns:p14="http://schemas.microsoft.com/office/powerpoint/2010/main" val="1534781001"/>
+      </p:ext>
+    </p:extLst>
   </p:cSld>
   <p:clrMapOvr>
     <a:masterClrMapping/>
